--- a/spring12/slidesS12/stable-matching.pptx
+++ b/spring12/slidesS12/stable-matching.pptx
@@ -5,10 +5,10 @@
     <p:sldMasterId id="2147483662" r:id="rId1"/>
   </p:sldMasterIdLst>
   <p:notesMasterIdLst>
-    <p:notesMasterId r:id="rId44"/>
+    <p:notesMasterId r:id="rId36"/>
   </p:notesMasterIdLst>
   <p:handoutMasterIdLst>
-    <p:handoutMasterId r:id="rId45"/>
+    <p:handoutMasterId r:id="rId37"/>
   </p:handoutMasterIdLst>
   <p:sldIdLst>
     <p:sldId id="786" r:id="rId2"/>
@@ -45,19 +45,11 @@
     <p:sldId id="846" r:id="rId33"/>
     <p:sldId id="847" r:id="rId34"/>
     <p:sldId id="848" r:id="rId35"/>
-    <p:sldId id="849" r:id="rId36"/>
-    <p:sldId id="850" r:id="rId37"/>
-    <p:sldId id="851" r:id="rId38"/>
-    <p:sldId id="852" r:id="rId39"/>
-    <p:sldId id="853" r:id="rId40"/>
-    <p:sldId id="854" r:id="rId41"/>
-    <p:sldId id="855" r:id="rId42"/>
-    <p:sldId id="856" r:id="rId43"/>
   </p:sldIdLst>
   <p:sldSz cx="9144000" cy="6858000" type="screen4x3"/>
-  <p:notesSz cx="7315200" cy="9601200"/>
+  <p:notesSz cx="9601200" cy="7315200"/>
   <p:custDataLst>
-    <p:tags r:id="rId47"/>
+    <p:tags r:id="rId39"/>
   </p:custDataLst>
   <p:defaultTextStyle>
     <a:defPPr>
@@ -230,7 +222,7 @@
         <p:spPr bwMode="auto">
           <a:xfrm>
             <a:off x="0" y="0"/>
-            <a:ext cx="3170238" cy="479425"/>
+            <a:ext cx="4160937" cy="365276"/>
           </a:xfrm>
           <a:prstGeom prst="rect">
             <a:avLst/>
@@ -279,8 +271,8 @@
         </p:nvSpPr>
         <p:spPr bwMode="auto">
           <a:xfrm>
-            <a:off x="4143375" y="0"/>
-            <a:ext cx="3170238" cy="479425"/>
+            <a:off x="5438180" y="0"/>
+            <a:ext cx="4160937" cy="365276"/>
           </a:xfrm>
           <a:prstGeom prst="rect">
             <a:avLst/>
@@ -329,8 +321,8 @@
         </p:nvSpPr>
         <p:spPr bwMode="auto">
           <a:xfrm>
-            <a:off x="0" y="9120188"/>
-            <a:ext cx="3170238" cy="479425"/>
+            <a:off x="0" y="6948715"/>
+            <a:ext cx="4160937" cy="365276"/>
           </a:xfrm>
           <a:prstGeom prst="rect">
             <a:avLst/>
@@ -379,8 +371,8 @@
         </p:nvSpPr>
         <p:spPr bwMode="auto">
           <a:xfrm>
-            <a:off x="4143375" y="9120188"/>
-            <a:ext cx="3170238" cy="479425"/>
+            <a:off x="5438180" y="6948715"/>
+            <a:ext cx="4160937" cy="365276"/>
           </a:xfrm>
           <a:prstGeom prst="rect">
             <a:avLst/>
@@ -471,7 +463,7 @@
         <p:spPr bwMode="auto">
           <a:xfrm>
             <a:off x="0" y="0"/>
-            <a:ext cx="3170238" cy="479425"/>
+            <a:ext cx="4160937" cy="365276"/>
           </a:xfrm>
           <a:prstGeom prst="rect">
             <a:avLst/>
@@ -520,8 +512,8 @@
         </p:nvSpPr>
         <p:spPr bwMode="auto">
           <a:xfrm>
-            <a:off x="4144963" y="0"/>
-            <a:ext cx="3170237" cy="479425"/>
+            <a:off x="5440265" y="0"/>
+            <a:ext cx="4160936" cy="365276"/>
           </a:xfrm>
           <a:prstGeom prst="rect">
             <a:avLst/>
@@ -570,8 +562,8 @@
         </p:nvSpPr>
         <p:spPr bwMode="auto">
           <a:xfrm>
-            <a:off x="1257300" y="720725"/>
-            <a:ext cx="4800600" cy="3600450"/>
+            <a:off x="2971800" y="549275"/>
+            <a:ext cx="3657600" cy="2743200"/>
           </a:xfrm>
           <a:prstGeom prst="rect">
             <a:avLst/>
@@ -600,8 +592,8 @@
         </p:nvSpPr>
         <p:spPr bwMode="auto">
           <a:xfrm>
-            <a:off x="976313" y="4560888"/>
-            <a:ext cx="5362575" cy="4319587"/>
+            <a:off x="1281411" y="3474963"/>
+            <a:ext cx="7038380" cy="3291114"/>
           </a:xfrm>
           <a:prstGeom prst="rect">
             <a:avLst/>
@@ -671,8 +663,8 @@
         </p:nvSpPr>
         <p:spPr bwMode="auto">
           <a:xfrm>
-            <a:off x="0" y="9121775"/>
-            <a:ext cx="3170238" cy="479425"/>
+            <a:off x="0" y="6949924"/>
+            <a:ext cx="4160937" cy="365276"/>
           </a:xfrm>
           <a:prstGeom prst="rect">
             <a:avLst/>
@@ -721,8 +713,8 @@
         </p:nvSpPr>
         <p:spPr bwMode="auto">
           <a:xfrm>
-            <a:off x="4144963" y="9121775"/>
-            <a:ext cx="3170237" cy="479425"/>
+            <a:off x="5440265" y="6949924"/>
+            <a:ext cx="4160936" cy="365276"/>
           </a:xfrm>
           <a:prstGeom prst="rect">
             <a:avLst/>
@@ -3333,270 +3325,6 @@
       <p:sp>
         <p:nvSpPr>
           <p:cNvPr id="97284" name="Rectangle 3"/>
-          <p:cNvSpPr>
-            <a:spLocks noGrp="1" noChangeArrowheads="1"/>
-          </p:cNvSpPr>
-          <p:nvPr>
-            <p:ph type="body" idx="1"/>
-          </p:nvPr>
-        </p:nvSpPr>
-        <p:spPr>
-          <a:noFill/>
-          <a:ln/>
-        </p:spPr>
-        <p:txBody>
-          <a:bodyPr/>
-          <a:lstStyle/>
-          <a:p>
-            <a:pPr eaLnBrk="1" hangingPunct="1"/>
-            <a:endParaRPr lang="en-US" smtClean="0"/>
-          </a:p>
-        </p:txBody>
-      </p:sp>
-    </p:spTree>
-  </p:cSld>
-  <p:clrMapOvr>
-    <a:masterClrMapping/>
-  </p:clrMapOvr>
-</p:notes>
-</file>
-
-<file path=ppt/notesSlides/notesSlide35.xml><?xml version="1.0" encoding="utf-8"?>
-<p:notes xmlns:a="http://schemas.openxmlformats.org/drawingml/2006/main" xmlns:r="http://schemas.openxmlformats.org/officeDocument/2006/relationships" xmlns:p="http://schemas.openxmlformats.org/presentationml/2006/main">
-  <p:cSld>
-    <p:spTree>
-      <p:nvGrpSpPr>
-        <p:cNvPr id="1" name=""/>
-        <p:cNvGrpSpPr/>
-        <p:nvPr/>
-      </p:nvGrpSpPr>
-      <p:grpSpPr>
-        <a:xfrm>
-          <a:off x="0" y="0"/>
-          <a:ext cx="0" cy="0"/>
-          <a:chOff x="0" y="0"/>
-          <a:chExt cx="0" cy="0"/>
-        </a:xfrm>
-      </p:grpSpPr>
-      <p:sp>
-        <p:nvSpPr>
-          <p:cNvPr id="99330" name="Rectangle 7"/>
-          <p:cNvSpPr>
-            <a:spLocks noGrp="1" noChangeArrowheads="1"/>
-          </p:cNvSpPr>
-          <p:nvPr>
-            <p:ph type="sldNum" sz="quarter" idx="5"/>
-          </p:nvPr>
-        </p:nvSpPr>
-        <p:spPr>
-          <a:noFill/>
-        </p:spPr>
-        <p:txBody>
-          <a:bodyPr/>
-          <a:lstStyle/>
-          <a:p>
-            <a:fld id="{88A11719-1F06-4989-8094-48B523FFE46D}" type="slidenum">
-              <a:rPr lang="en-US" smtClean="0"/>
-              <a:pPr/>
-              <a:t>35</a:t>
-            </a:fld>
-            <a:endParaRPr lang="en-US" smtClean="0"/>
-          </a:p>
-        </p:txBody>
-      </p:sp>
-      <p:sp>
-        <p:nvSpPr>
-          <p:cNvPr id="99331" name="Rectangle 2"/>
-          <p:cNvSpPr>
-            <a:spLocks noGrp="1" noRot="1" noChangeAspect="1" noChangeArrowheads="1" noTextEdit="1"/>
-          </p:cNvSpPr>
-          <p:nvPr>
-            <p:ph type="sldImg"/>
-          </p:nvPr>
-        </p:nvSpPr>
-        <p:spPr>
-          <a:ln/>
-        </p:spPr>
-      </p:sp>
-      <p:sp>
-        <p:nvSpPr>
-          <p:cNvPr id="99332" name="Rectangle 3"/>
-          <p:cNvSpPr>
-            <a:spLocks noGrp="1" noChangeArrowheads="1"/>
-          </p:cNvSpPr>
-          <p:nvPr>
-            <p:ph type="body" idx="1"/>
-          </p:nvPr>
-        </p:nvSpPr>
-        <p:spPr>
-          <a:noFill/>
-          <a:ln/>
-        </p:spPr>
-        <p:txBody>
-          <a:bodyPr/>
-          <a:lstStyle/>
-          <a:p>
-            <a:pPr eaLnBrk="1" hangingPunct="1"/>
-            <a:endParaRPr lang="en-US" smtClean="0"/>
-          </a:p>
-        </p:txBody>
-      </p:sp>
-    </p:spTree>
-  </p:cSld>
-  <p:clrMapOvr>
-    <a:masterClrMapping/>
-  </p:clrMapOvr>
-</p:notes>
-</file>
-
-<file path=ppt/notesSlides/notesSlide36.xml><?xml version="1.0" encoding="utf-8"?>
-<p:notes xmlns:a="http://schemas.openxmlformats.org/drawingml/2006/main" xmlns:r="http://schemas.openxmlformats.org/officeDocument/2006/relationships" xmlns:p="http://schemas.openxmlformats.org/presentationml/2006/main">
-  <p:cSld>
-    <p:spTree>
-      <p:nvGrpSpPr>
-        <p:cNvPr id="1" name=""/>
-        <p:cNvGrpSpPr/>
-        <p:nvPr/>
-      </p:nvGrpSpPr>
-      <p:grpSpPr>
-        <a:xfrm>
-          <a:off x="0" y="0"/>
-          <a:ext cx="0" cy="0"/>
-          <a:chOff x="0" y="0"/>
-          <a:chExt cx="0" cy="0"/>
-        </a:xfrm>
-      </p:grpSpPr>
-      <p:sp>
-        <p:nvSpPr>
-          <p:cNvPr id="100354" name="Rectangle 7"/>
-          <p:cNvSpPr>
-            <a:spLocks noGrp="1" noChangeArrowheads="1"/>
-          </p:cNvSpPr>
-          <p:nvPr>
-            <p:ph type="sldNum" sz="quarter" idx="5"/>
-          </p:nvPr>
-        </p:nvSpPr>
-        <p:spPr>
-          <a:noFill/>
-        </p:spPr>
-        <p:txBody>
-          <a:bodyPr/>
-          <a:lstStyle/>
-          <a:p>
-            <a:fld id="{CDC4A5C8-A722-4B55-89C0-59F22F87EB85}" type="slidenum">
-              <a:rPr lang="en-US" smtClean="0"/>
-              <a:pPr/>
-              <a:t>36</a:t>
-            </a:fld>
-            <a:endParaRPr lang="en-US" smtClean="0"/>
-          </a:p>
-        </p:txBody>
-      </p:sp>
-      <p:sp>
-        <p:nvSpPr>
-          <p:cNvPr id="100355" name="Rectangle 2"/>
-          <p:cNvSpPr>
-            <a:spLocks noGrp="1" noRot="1" noChangeAspect="1" noChangeArrowheads="1" noTextEdit="1"/>
-          </p:cNvSpPr>
-          <p:nvPr>
-            <p:ph type="sldImg"/>
-          </p:nvPr>
-        </p:nvSpPr>
-        <p:spPr>
-          <a:ln/>
-        </p:spPr>
-      </p:sp>
-      <p:sp>
-        <p:nvSpPr>
-          <p:cNvPr id="100356" name="Rectangle 3"/>
-          <p:cNvSpPr>
-            <a:spLocks noGrp="1" noChangeArrowheads="1"/>
-          </p:cNvSpPr>
-          <p:nvPr>
-            <p:ph type="body" idx="1"/>
-          </p:nvPr>
-        </p:nvSpPr>
-        <p:spPr>
-          <a:noFill/>
-          <a:ln/>
-        </p:spPr>
-        <p:txBody>
-          <a:bodyPr/>
-          <a:lstStyle/>
-          <a:p>
-            <a:pPr eaLnBrk="1" hangingPunct="1"/>
-            <a:endParaRPr lang="en-US" smtClean="0"/>
-          </a:p>
-        </p:txBody>
-      </p:sp>
-    </p:spTree>
-  </p:cSld>
-  <p:clrMapOvr>
-    <a:masterClrMapping/>
-  </p:clrMapOvr>
-</p:notes>
-</file>
-
-<file path=ppt/notesSlides/notesSlide37.xml><?xml version="1.0" encoding="utf-8"?>
-<p:notes xmlns:a="http://schemas.openxmlformats.org/drawingml/2006/main" xmlns:r="http://schemas.openxmlformats.org/officeDocument/2006/relationships" xmlns:p="http://schemas.openxmlformats.org/presentationml/2006/main">
-  <p:cSld>
-    <p:spTree>
-      <p:nvGrpSpPr>
-        <p:cNvPr id="1" name=""/>
-        <p:cNvGrpSpPr/>
-        <p:nvPr/>
-      </p:nvGrpSpPr>
-      <p:grpSpPr>
-        <a:xfrm>
-          <a:off x="0" y="0"/>
-          <a:ext cx="0" cy="0"/>
-          <a:chOff x="0" y="0"/>
-          <a:chExt cx="0" cy="0"/>
-        </a:xfrm>
-      </p:grpSpPr>
-      <p:sp>
-        <p:nvSpPr>
-          <p:cNvPr id="101378" name="Rectangle 7"/>
-          <p:cNvSpPr>
-            <a:spLocks noGrp="1" noChangeArrowheads="1"/>
-          </p:cNvSpPr>
-          <p:nvPr>
-            <p:ph type="sldNum" sz="quarter" idx="5"/>
-          </p:nvPr>
-        </p:nvSpPr>
-        <p:spPr>
-          <a:noFill/>
-        </p:spPr>
-        <p:txBody>
-          <a:bodyPr/>
-          <a:lstStyle/>
-          <a:p>
-            <a:fld id="{40D7D54F-A45B-482A-96A3-B4504B1F05F9}" type="slidenum">
-              <a:rPr lang="en-US" smtClean="0"/>
-              <a:pPr/>
-              <a:t>42</a:t>
-            </a:fld>
-            <a:endParaRPr lang="en-US" smtClean="0"/>
-          </a:p>
-        </p:txBody>
-      </p:sp>
-      <p:sp>
-        <p:nvSpPr>
-          <p:cNvPr id="101379" name="Rectangle 2"/>
-          <p:cNvSpPr>
-            <a:spLocks noGrp="1" noRot="1" noChangeAspect="1" noChangeArrowheads="1" noTextEdit="1"/>
-          </p:cNvSpPr>
-          <p:nvPr>
-            <p:ph type="sldImg"/>
-          </p:nvPr>
-        </p:nvSpPr>
-        <p:spPr>
-          <a:ln/>
-        </p:spPr>
-      </p:sp>
-      <p:sp>
-        <p:nvSpPr>
-          <p:cNvPr id="101380" name="Rectangle 3"/>
           <p:cNvSpPr>
             <a:spLocks noGrp="1" noChangeArrowheads="1"/>
           </p:cNvSpPr>
@@ -9454,7 +9182,7 @@
 </file>
 
 <file path=ppt/slides/slide16.xml><?xml version="1.0" encoding="utf-8"?>
-<p:sld xmlns:a="http://schemas.openxmlformats.org/drawingml/2006/main" xmlns:r="http://schemas.openxmlformats.org/officeDocument/2006/relationships" xmlns:p="http://schemas.openxmlformats.org/presentationml/2006/main" show="0">
+<p:sld xmlns:a="http://schemas.openxmlformats.org/drawingml/2006/main" xmlns:r="http://schemas.openxmlformats.org/officeDocument/2006/relationships" xmlns:p="http://schemas.openxmlformats.org/presentationml/2006/main">
   <p:cSld>
     <p:spTree>
       <p:nvGrpSpPr>
@@ -10356,7 +10084,7 @@
 </file>
 
 <file path=ppt/slides/slide17.xml><?xml version="1.0" encoding="utf-8"?>
-<p:sld xmlns:a="http://schemas.openxmlformats.org/drawingml/2006/main" xmlns:r="http://schemas.openxmlformats.org/officeDocument/2006/relationships" xmlns:p="http://schemas.openxmlformats.org/presentationml/2006/main" show="0">
+<p:sld xmlns:a="http://schemas.openxmlformats.org/drawingml/2006/main" xmlns:r="http://schemas.openxmlformats.org/officeDocument/2006/relationships" xmlns:p="http://schemas.openxmlformats.org/presentationml/2006/main">
   <p:cSld>
     <p:spTree>
       <p:nvGrpSpPr>
@@ -20073,2013 +19801,6 @@
 </p:sld>
 </file>
 
-<file path=ppt/slides/slide35.xml><?xml version="1.0" encoding="utf-8"?>
-<p:sld xmlns:a="http://schemas.openxmlformats.org/drawingml/2006/main" xmlns:r="http://schemas.openxmlformats.org/officeDocument/2006/relationships" xmlns:p="http://schemas.openxmlformats.org/presentationml/2006/main">
-  <p:cSld>
-    <p:spTree>
-      <p:nvGrpSpPr>
-        <p:cNvPr id="1" name=""/>
-        <p:cNvGrpSpPr/>
-        <p:nvPr/>
-      </p:nvGrpSpPr>
-      <p:grpSpPr>
-        <a:xfrm>
-          <a:off x="0" y="0"/>
-          <a:ext cx="0" cy="0"/>
-          <a:chOff x="0" y="0"/>
-          <a:chExt cx="0" cy="0"/>
-        </a:xfrm>
-      </p:grpSpPr>
-      <p:sp>
-        <p:nvSpPr>
-          <p:cNvPr id="50178" name="Rectangle 2"/>
-          <p:cNvSpPr>
-            <a:spLocks noGrp="1" noChangeArrowheads="1"/>
-          </p:cNvSpPr>
-          <p:nvPr>
-            <p:ph type="title"/>
-          </p:nvPr>
-        </p:nvSpPr>
-        <p:spPr/>
-        <p:txBody>
-          <a:bodyPr/>
-          <a:lstStyle/>
-          <a:p>
-            <a:pPr eaLnBrk="1" hangingPunct="1"/>
-            <a:r>
-              <a:rPr lang="en-US" sz="4000" smtClean="0"/>
-              <a:t>Mating Ritual</a:t>
-            </a:r>
-          </a:p>
-        </p:txBody>
-      </p:sp>
-      <p:sp>
-        <p:nvSpPr>
-          <p:cNvPr id="50179" name="Text Box 3"/>
-          <p:cNvSpPr txBox="1">
-            <a:spLocks noChangeArrowheads="1"/>
-          </p:cNvSpPr>
-          <p:nvPr/>
-        </p:nvSpPr>
-        <p:spPr bwMode="auto">
-          <a:xfrm>
-            <a:off x="658018" y="2866684"/>
-            <a:ext cx="7904163" cy="2287587"/>
-          </a:xfrm>
-          <a:prstGeom prst="rect">
-            <a:avLst/>
-          </a:prstGeom>
-          <a:noFill/>
-          <a:ln w="9525">
-            <a:noFill/>
-            <a:miter lim="800000"/>
-            <a:headEnd/>
-            <a:tailEnd type="none" w="lg" len="lg"/>
-          </a:ln>
-        </p:spPr>
-        <p:txBody>
-          <a:bodyPr>
-            <a:spAutoFit/>
-          </a:bodyPr>
-          <a:lstStyle/>
-          <a:p>
-            <a:pPr>
-              <a:buNone/>
-            </a:pPr>
-            <a:r>
-              <a:rPr lang="en-US" sz="4800" dirty="0">
-                <a:latin typeface="Comic Sans MS" pitchFamily="66" charset="0"/>
-              </a:rPr>
-              <a:t>Girls’ suitors get better, and </a:t>
-            </a:r>
-            <a:r>
-              <a:rPr lang="en-US" sz="4800" dirty="0" smtClean="0">
-                <a:latin typeface="Comic Sans MS" pitchFamily="66" charset="0"/>
-              </a:rPr>
-              <a:t>boys’ </a:t>
-            </a:r>
-            <a:r>
-              <a:rPr lang="en-US" sz="4800" dirty="0">
-                <a:latin typeface="Comic Sans MS" pitchFamily="66" charset="0"/>
-              </a:rPr>
-              <a:t>sweethearts get worse, so girls do better?</a:t>
-            </a:r>
-            <a:endParaRPr lang="en-US" sz="4800" dirty="0">
-              <a:solidFill>
-                <a:schemeClr val="hlink"/>
-              </a:solidFill>
-              <a:latin typeface="Comic Sans MS" pitchFamily="66" charset="0"/>
-            </a:endParaRPr>
-          </a:p>
-        </p:txBody>
-      </p:sp>
-      <p:sp>
-        <p:nvSpPr>
-          <p:cNvPr id="50180" name="Text Box 4"/>
-          <p:cNvSpPr txBox="1">
-            <a:spLocks noChangeArrowheads="1"/>
-          </p:cNvSpPr>
-          <p:nvPr/>
-        </p:nvSpPr>
-        <p:spPr bwMode="auto">
-          <a:xfrm>
-            <a:off x="1462480" y="1043180"/>
-            <a:ext cx="6271371" cy="1754326"/>
-          </a:xfrm>
-          <a:prstGeom prst="rect">
-            <a:avLst/>
-          </a:prstGeom>
-          <a:noFill/>
-          <a:ln w="9525">
-            <a:noFill/>
-            <a:miter lim="800000"/>
-            <a:headEnd/>
-            <a:tailEnd type="none" w="lg" len="lg"/>
-          </a:ln>
-        </p:spPr>
-        <p:txBody>
-          <a:bodyPr wrap="square">
-            <a:spAutoFit/>
-          </a:bodyPr>
-          <a:lstStyle/>
-          <a:p>
-            <a:pPr>
-              <a:spcBef>
-                <a:spcPts val="0"/>
-              </a:spcBef>
-              <a:buNone/>
-            </a:pPr>
-            <a:r>
-              <a:rPr lang="en-US" sz="5400" dirty="0">
-                <a:solidFill>
-                  <a:schemeClr val="accent1">
-                    <a:lumMod val="50000"/>
-                  </a:schemeClr>
-                </a:solidFill>
-                <a:latin typeface="Comic Sans MS" pitchFamily="66" charset="0"/>
-              </a:rPr>
-              <a:t>Who does </a:t>
-            </a:r>
-            <a:r>
-              <a:rPr lang="en-US" sz="5400" dirty="0" smtClean="0">
-                <a:solidFill>
-                  <a:schemeClr val="accent1">
-                    <a:lumMod val="50000"/>
-                  </a:schemeClr>
-                </a:solidFill>
-                <a:latin typeface="Comic Sans MS" pitchFamily="66" charset="0"/>
-              </a:rPr>
-              <a:t>better,</a:t>
-            </a:r>
-          </a:p>
-          <a:p>
-            <a:pPr>
-              <a:spcBef>
-                <a:spcPts val="0"/>
-              </a:spcBef>
-              <a:buNone/>
-            </a:pPr>
-            <a:r>
-              <a:rPr lang="en-US" sz="5400" dirty="0" smtClean="0">
-                <a:latin typeface="Comic Sans MS" pitchFamily="66" charset="0"/>
-              </a:rPr>
-              <a:t>boys </a:t>
-            </a:r>
-            <a:r>
-              <a:rPr lang="en-US" sz="5400" dirty="0">
-                <a:latin typeface="Comic Sans MS" pitchFamily="66" charset="0"/>
-              </a:rPr>
-              <a:t>or girls?</a:t>
-            </a:r>
-          </a:p>
-        </p:txBody>
-      </p:sp>
-      <p:sp>
-        <p:nvSpPr>
-          <p:cNvPr id="425990" name="Rectangle 6"/>
-          <p:cNvSpPr>
-            <a:spLocks noChangeArrowheads="1"/>
-          </p:cNvSpPr>
-          <p:nvPr/>
-        </p:nvSpPr>
-        <p:spPr bwMode="auto">
-          <a:xfrm>
-            <a:off x="3637718" y="5110756"/>
-            <a:ext cx="1944763" cy="1446550"/>
-          </a:xfrm>
-          <a:prstGeom prst="rect">
-            <a:avLst/>
-          </a:prstGeom>
-          <a:noFill/>
-          <a:ln w="9525">
-            <a:noFill/>
-            <a:miter lim="800000"/>
-            <a:headEnd/>
-            <a:tailEnd type="none" w="lg" len="lg"/>
-          </a:ln>
-        </p:spPr>
-        <p:txBody>
-          <a:bodyPr wrap="none">
-            <a:spAutoFit/>
-          </a:bodyPr>
-          <a:lstStyle/>
-          <a:p>
-            <a:pPr>
-              <a:buNone/>
-            </a:pPr>
-            <a:r>
-              <a:rPr lang="en-US" sz="8800" dirty="0">
-                <a:solidFill>
-                  <a:schemeClr val="hlink"/>
-                </a:solidFill>
-                <a:latin typeface="Comic Sans MS" pitchFamily="66" charset="0"/>
-              </a:rPr>
-              <a:t>No!</a:t>
-            </a:r>
-          </a:p>
-        </p:txBody>
-      </p:sp>
-      <p:sp>
-        <p:nvSpPr>
-          <p:cNvPr id="50182" name="Slide Number Placeholder 1"/>
-          <p:cNvSpPr>
-            <a:spLocks noGrp="1"/>
-          </p:cNvSpPr>
-          <p:nvPr>
-            <p:ph type="sldNum" sz="quarter" idx="10"/>
-          </p:nvPr>
-        </p:nvSpPr>
-        <p:spPr>
-          <a:noFill/>
-        </p:spPr>
-        <p:txBody>
-          <a:bodyPr/>
-          <a:lstStyle/>
-          <a:p>
-            <a:r>
-              <a:rPr lang="en-US" dirty="0" err="1" smtClean="0"/>
-              <a:t>lec</a:t>
-            </a:r>
-            <a:r>
-              <a:rPr lang="en-US" dirty="0" smtClean="0"/>
-              <a:t> 7F.</a:t>
-            </a:r>
-            <a:fld id="{87D09381-529C-4565-93CC-F0F84618B121}" type="slidenum">
-              <a:rPr lang="en-US" smtClean="0"/>
-              <a:pPr/>
-              <a:t>35</a:t>
-            </a:fld>
-            <a:endParaRPr lang="en-US" dirty="0" smtClean="0"/>
-          </a:p>
-        </p:txBody>
-      </p:sp>
-    </p:spTree>
-    <p:extLst>
-      <p:ext uri="{BB962C8B-B14F-4D97-AF65-F5344CB8AC3E}">
-        <p14:creationId xmlns:p14="http://schemas.microsoft.com/office/powerpoint/2010/main" val="3387558725"/>
-      </p:ext>
-    </p:extLst>
-  </p:cSld>
-  <p:clrMapOvr>
-    <a:masterClrMapping/>
-  </p:clrMapOvr>
-  <p:transition xmlns:p14="http://schemas.microsoft.com/office/powerpoint/2010/main" spd="slow">
-    <p:fade thruBlk="1"/>
-  </p:transition>
-  <p:timing>
-    <p:tnLst>
-      <p:par>
-        <p:cTn xmlns:p14="http://schemas.microsoft.com/office/powerpoint/2010/main" id="1" dur="indefinite" restart="never" nodeType="tmRoot">
-          <p:childTnLst>
-            <p:seq concurrent="1" nextAc="seek">
-              <p:cTn id="2" dur="indefinite" nodeType="mainSeq">
-                <p:childTnLst>
-                  <p:par>
-                    <p:cTn id="3" fill="hold">
-                      <p:stCondLst>
-                        <p:cond delay="indefinite"/>
-                      </p:stCondLst>
-                      <p:childTnLst>
-                        <p:par>
-                          <p:cTn id="4" fill="hold">
-                            <p:stCondLst>
-                              <p:cond delay="0"/>
-                            </p:stCondLst>
-                            <p:childTnLst>
-                              <p:par>
-                                <p:cTn id="5" presetID="1" presetClass="entr" presetSubtype="0" fill="hold" grpId="0" nodeType="clickEffect">
-                                  <p:stCondLst>
-                                    <p:cond delay="0"/>
-                                  </p:stCondLst>
-                                  <p:childTnLst>
-                                    <p:set>
-                                      <p:cBhvr>
-                                        <p:cTn id="6" dur="1" fill="hold">
-                                          <p:stCondLst>
-                                            <p:cond delay="0"/>
-                                          </p:stCondLst>
-                                        </p:cTn>
-                                        <p:tgtEl>
-                                          <p:spTgt spid="50179"/>
-                                        </p:tgtEl>
-                                        <p:attrNameLst>
-                                          <p:attrName>style.visibility</p:attrName>
-                                        </p:attrNameLst>
-                                      </p:cBhvr>
-                                      <p:to>
-                                        <p:strVal val="visible"/>
-                                      </p:to>
-                                    </p:set>
-                                  </p:childTnLst>
-                                </p:cTn>
-                              </p:par>
-                            </p:childTnLst>
-                          </p:cTn>
-                        </p:par>
-                      </p:childTnLst>
-                    </p:cTn>
-                  </p:par>
-                  <p:par>
-                    <p:cTn id="7" fill="hold">
-                      <p:stCondLst>
-                        <p:cond delay="indefinite"/>
-                      </p:stCondLst>
-                      <p:childTnLst>
-                        <p:par>
-                          <p:cTn id="8" fill="hold">
-                            <p:stCondLst>
-                              <p:cond delay="0"/>
-                            </p:stCondLst>
-                            <p:childTnLst>
-                              <p:par>
-                                <p:cTn id="9" presetID="26" presetClass="entr" presetSubtype="0" fill="hold" grpId="0" nodeType="clickEffect">
-                                  <p:stCondLst>
-                                    <p:cond delay="0"/>
-                                  </p:stCondLst>
-                                  <p:childTnLst>
-                                    <p:set>
-                                      <p:cBhvr>
-                                        <p:cTn id="10" dur="1" fill="hold">
-                                          <p:stCondLst>
-                                            <p:cond delay="0"/>
-                                          </p:stCondLst>
-                                        </p:cTn>
-                                        <p:tgtEl>
-                                          <p:spTgt spid="425990"/>
-                                        </p:tgtEl>
-                                        <p:attrNameLst>
-                                          <p:attrName>style.visibility</p:attrName>
-                                        </p:attrNameLst>
-                                      </p:cBhvr>
-                                      <p:to>
-                                        <p:strVal val="visible"/>
-                                      </p:to>
-                                    </p:set>
-                                    <p:animEffect transition="in" filter="wipe(down)">
-                                      <p:cBhvr>
-                                        <p:cTn id="11" dur="290">
-                                          <p:stCondLst>
-                                            <p:cond delay="0"/>
-                                          </p:stCondLst>
-                                        </p:cTn>
-                                        <p:tgtEl>
-                                          <p:spTgt spid="425990"/>
-                                        </p:tgtEl>
-                                      </p:cBhvr>
-                                    </p:animEffect>
-                                    <p:anim calcmode="lin" valueType="num">
-                                      <p:cBhvr>
-                                        <p:cTn id="12" dur="911" tmFilter="0,0; 0.14,0.36; 0.43,0.73; 0.71,0.91; 1.0,1.0">
-                                          <p:stCondLst>
-                                            <p:cond delay="0"/>
-                                          </p:stCondLst>
-                                        </p:cTn>
-                                        <p:tgtEl>
-                                          <p:spTgt spid="425990"/>
-                                        </p:tgtEl>
-                                        <p:attrNameLst>
-                                          <p:attrName>ppt_x</p:attrName>
-                                        </p:attrNameLst>
-                                      </p:cBhvr>
-                                      <p:tavLst>
-                                        <p:tav tm="0">
-                                          <p:val>
-                                            <p:strVal val="#ppt_x-0.25"/>
-                                          </p:val>
-                                        </p:tav>
-                                        <p:tav tm="100000">
-                                          <p:val>
-                                            <p:strVal val="#ppt_x"/>
-                                          </p:val>
-                                        </p:tav>
-                                      </p:tavLst>
-                                    </p:anim>
-                                    <p:anim calcmode="lin" valueType="num">
-                                      <p:cBhvr>
-                                        <p:cTn id="13" dur="332" tmFilter="0.0,0.0; 0.25,0.07; 0.50,0.2; 0.75,0.467; 1.0,1.0">
-                                          <p:stCondLst>
-                                            <p:cond delay="0"/>
-                                          </p:stCondLst>
-                                        </p:cTn>
-                                        <p:tgtEl>
-                                          <p:spTgt spid="425990"/>
-                                        </p:tgtEl>
-                                        <p:attrNameLst>
-                                          <p:attrName>ppt_y</p:attrName>
-                                        </p:attrNameLst>
-                                      </p:cBhvr>
-                                      <p:tavLst>
-                                        <p:tav tm="0" fmla="#ppt_y-sin(pi*$)/3">
-                                          <p:val>
-                                            <p:fltVal val="0.5"/>
-                                          </p:val>
-                                        </p:tav>
-                                        <p:tav tm="100000">
-                                          <p:val>
-                                            <p:fltVal val="1"/>
-                                          </p:val>
-                                        </p:tav>
-                                      </p:tavLst>
-                                    </p:anim>
-                                    <p:anim calcmode="lin" valueType="num">
-                                      <p:cBhvr>
-                                        <p:cTn id="14" dur="332" tmFilter="0, 0; 0.125,0.2665; 0.25,0.4; 0.375,0.465; 0.5,0.5;  0.625,0.535; 0.75,0.6; 0.875,0.7335; 1,1">
-                                          <p:stCondLst>
-                                            <p:cond delay="332"/>
-                                          </p:stCondLst>
-                                        </p:cTn>
-                                        <p:tgtEl>
-                                          <p:spTgt spid="425990"/>
-                                        </p:tgtEl>
-                                        <p:attrNameLst>
-                                          <p:attrName>ppt_y</p:attrName>
-                                        </p:attrNameLst>
-                                      </p:cBhvr>
-                                      <p:tavLst>
-                                        <p:tav tm="0" fmla="#ppt_y-sin(pi*$)/9">
-                                          <p:val>
-                                            <p:fltVal val="0"/>
-                                          </p:val>
-                                        </p:tav>
-                                        <p:tav tm="100000">
-                                          <p:val>
-                                            <p:fltVal val="1"/>
-                                          </p:val>
-                                        </p:tav>
-                                      </p:tavLst>
-                                    </p:anim>
-                                    <p:anim calcmode="lin" valueType="num">
-                                      <p:cBhvr>
-                                        <p:cTn id="15" dur="166" tmFilter="0, 0; 0.125,0.2665; 0.25,0.4; 0.375,0.465; 0.5,0.5;  0.625,0.535; 0.75,0.6; 0.875,0.7335; 1,1">
-                                          <p:stCondLst>
-                                            <p:cond delay="662"/>
-                                          </p:stCondLst>
-                                        </p:cTn>
-                                        <p:tgtEl>
-                                          <p:spTgt spid="425990"/>
-                                        </p:tgtEl>
-                                        <p:attrNameLst>
-                                          <p:attrName>ppt_y</p:attrName>
-                                        </p:attrNameLst>
-                                      </p:cBhvr>
-                                      <p:tavLst>
-                                        <p:tav tm="0" fmla="#ppt_y-sin(pi*$)/27">
-                                          <p:val>
-                                            <p:fltVal val="0"/>
-                                          </p:val>
-                                        </p:tav>
-                                        <p:tav tm="100000">
-                                          <p:val>
-                                            <p:fltVal val="1"/>
-                                          </p:val>
-                                        </p:tav>
-                                      </p:tavLst>
-                                    </p:anim>
-                                    <p:anim calcmode="lin" valueType="num">
-                                      <p:cBhvr>
-                                        <p:cTn id="16" dur="82" tmFilter="0, 0; 0.125,0.2665; 0.25,0.4; 0.375,0.465; 0.5,0.5;  0.625,0.535; 0.75,0.6; 0.875,0.7335; 1,1">
-                                          <p:stCondLst>
-                                            <p:cond delay="828"/>
-                                          </p:stCondLst>
-                                        </p:cTn>
-                                        <p:tgtEl>
-                                          <p:spTgt spid="425990"/>
-                                        </p:tgtEl>
-                                        <p:attrNameLst>
-                                          <p:attrName>ppt_y</p:attrName>
-                                        </p:attrNameLst>
-                                      </p:cBhvr>
-                                      <p:tavLst>
-                                        <p:tav tm="0" fmla="#ppt_y-sin(pi*$)/81">
-                                          <p:val>
-                                            <p:fltVal val="0"/>
-                                          </p:val>
-                                        </p:tav>
-                                        <p:tav tm="100000">
-                                          <p:val>
-                                            <p:fltVal val="1"/>
-                                          </p:val>
-                                        </p:tav>
-                                      </p:tavLst>
-                                    </p:anim>
-                                    <p:animScale>
-                                      <p:cBhvr>
-                                        <p:cTn id="17" dur="13">
-                                          <p:stCondLst>
-                                            <p:cond delay="325"/>
-                                          </p:stCondLst>
-                                        </p:cTn>
-                                        <p:tgtEl>
-                                          <p:spTgt spid="425990"/>
-                                        </p:tgtEl>
-                                      </p:cBhvr>
-                                      <p:to x="100000" y="60000"/>
-                                    </p:animScale>
-                                    <p:animScale>
-                                      <p:cBhvr>
-                                        <p:cTn id="18" dur="83" decel="50000">
-                                          <p:stCondLst>
-                                            <p:cond delay="338"/>
-                                          </p:stCondLst>
-                                        </p:cTn>
-                                        <p:tgtEl>
-                                          <p:spTgt spid="425990"/>
-                                        </p:tgtEl>
-                                      </p:cBhvr>
-                                      <p:to x="100000" y="100000"/>
-                                    </p:animScale>
-                                    <p:animScale>
-                                      <p:cBhvr>
-                                        <p:cTn id="19" dur="13">
-                                          <p:stCondLst>
-                                            <p:cond delay="656"/>
-                                          </p:stCondLst>
-                                        </p:cTn>
-                                        <p:tgtEl>
-                                          <p:spTgt spid="425990"/>
-                                        </p:tgtEl>
-                                      </p:cBhvr>
-                                      <p:to x="100000" y="80000"/>
-                                    </p:animScale>
-                                    <p:animScale>
-                                      <p:cBhvr>
-                                        <p:cTn id="20" dur="83" decel="50000">
-                                          <p:stCondLst>
-                                            <p:cond delay="669"/>
-                                          </p:stCondLst>
-                                        </p:cTn>
-                                        <p:tgtEl>
-                                          <p:spTgt spid="425990"/>
-                                        </p:tgtEl>
-                                      </p:cBhvr>
-                                      <p:to x="100000" y="100000"/>
-                                    </p:animScale>
-                                    <p:animScale>
-                                      <p:cBhvr>
-                                        <p:cTn id="21" dur="13">
-                                          <p:stCondLst>
-                                            <p:cond delay="821"/>
-                                          </p:stCondLst>
-                                        </p:cTn>
-                                        <p:tgtEl>
-                                          <p:spTgt spid="425990"/>
-                                        </p:tgtEl>
-                                      </p:cBhvr>
-                                      <p:to x="100000" y="90000"/>
-                                    </p:animScale>
-                                    <p:animScale>
-                                      <p:cBhvr>
-                                        <p:cTn id="22" dur="83" decel="50000">
-                                          <p:stCondLst>
-                                            <p:cond delay="834"/>
-                                          </p:stCondLst>
-                                        </p:cTn>
-                                        <p:tgtEl>
-                                          <p:spTgt spid="425990"/>
-                                        </p:tgtEl>
-                                      </p:cBhvr>
-                                      <p:to x="100000" y="100000"/>
-                                    </p:animScale>
-                                    <p:animScale>
-                                      <p:cBhvr>
-                                        <p:cTn id="23" dur="13">
-                                          <p:stCondLst>
-                                            <p:cond delay="904"/>
-                                          </p:stCondLst>
-                                        </p:cTn>
-                                        <p:tgtEl>
-                                          <p:spTgt spid="425990"/>
-                                        </p:tgtEl>
-                                      </p:cBhvr>
-                                      <p:to x="100000" y="95000"/>
-                                    </p:animScale>
-                                    <p:animScale>
-                                      <p:cBhvr>
-                                        <p:cTn id="24" dur="83" decel="50000">
-                                          <p:stCondLst>
-                                            <p:cond delay="917"/>
-                                          </p:stCondLst>
-                                        </p:cTn>
-                                        <p:tgtEl>
-                                          <p:spTgt spid="425990"/>
-                                        </p:tgtEl>
-                                      </p:cBhvr>
-                                      <p:to x="100000" y="100000"/>
-                                    </p:animScale>
-                                  </p:childTnLst>
-                                </p:cTn>
-                              </p:par>
-                            </p:childTnLst>
-                          </p:cTn>
-                        </p:par>
-                      </p:childTnLst>
-                    </p:cTn>
-                  </p:par>
-                </p:childTnLst>
-              </p:cTn>
-              <p:prevCondLst>
-                <p:cond evt="onPrev" delay="0">
-                  <p:tgtEl>
-                    <p:sldTgt/>
-                  </p:tgtEl>
-                </p:cond>
-              </p:prevCondLst>
-              <p:nextCondLst>
-                <p:cond evt="onNext" delay="0">
-                  <p:tgtEl>
-                    <p:sldTgt/>
-                  </p:tgtEl>
-                </p:cond>
-              </p:nextCondLst>
-            </p:seq>
-          </p:childTnLst>
-        </p:cTn>
-      </p:par>
-    </p:tnLst>
-    <p:bldLst>
-      <p:bldP spid="50179" grpId="0"/>
-      <p:bldP spid="425990" grpId="0" autoUpdateAnimBg="0"/>
-    </p:bldLst>
-  </p:timing>
-</p:sld>
-</file>
-
-<file path=ppt/slides/slide36.xml><?xml version="1.0" encoding="utf-8"?>
-<p:sld xmlns:a="http://schemas.openxmlformats.org/drawingml/2006/main" xmlns:r="http://schemas.openxmlformats.org/officeDocument/2006/relationships" xmlns:p="http://schemas.openxmlformats.org/presentationml/2006/main">
-  <p:cSld>
-    <p:spTree>
-      <p:nvGrpSpPr>
-        <p:cNvPr id="1" name=""/>
-        <p:cNvGrpSpPr/>
-        <p:nvPr/>
-      </p:nvGrpSpPr>
-      <p:grpSpPr>
-        <a:xfrm>
-          <a:off x="0" y="0"/>
-          <a:ext cx="0" cy="0"/>
-          <a:chOff x="0" y="0"/>
-          <a:chExt cx="0" cy="0"/>
-        </a:xfrm>
-      </p:grpSpPr>
-      <p:sp>
-        <p:nvSpPr>
-          <p:cNvPr id="51202" name="Rectangle 2"/>
-          <p:cNvSpPr>
-            <a:spLocks noGrp="1" noChangeArrowheads="1"/>
-          </p:cNvSpPr>
-          <p:nvPr>
-            <p:ph type="title"/>
-          </p:nvPr>
-        </p:nvSpPr>
-        <p:spPr>
-          <a:xfrm>
-            <a:off x="2617788" y="0"/>
-            <a:ext cx="3929062" cy="1047750"/>
-          </a:xfrm>
-        </p:spPr>
-        <p:txBody>
-          <a:bodyPr/>
-          <a:lstStyle/>
-          <a:p>
-            <a:pPr eaLnBrk="1" hangingPunct="1"/>
-            <a:r>
-              <a:rPr lang="en-US" sz="4400" smtClean="0"/>
-              <a:t>Boy</a:t>
-            </a:r>
-            <a:r>
-              <a:rPr lang="en-US" sz="4400" smtClean="0">
-                <a:solidFill>
-                  <a:srgbClr val="008000"/>
-                </a:solidFill>
-              </a:rPr>
-              <a:t> Optimal</a:t>
-            </a:r>
-          </a:p>
-        </p:txBody>
-      </p:sp>
-      <p:sp>
-        <p:nvSpPr>
-          <p:cNvPr id="51203" name="Text Box 3"/>
-          <p:cNvSpPr txBox="1">
-            <a:spLocks noChangeArrowheads="1"/>
-          </p:cNvSpPr>
-          <p:nvPr/>
-        </p:nvSpPr>
-        <p:spPr bwMode="auto">
-          <a:xfrm>
-            <a:off x="487363" y="1552575"/>
-            <a:ext cx="8205787" cy="3970318"/>
-          </a:xfrm>
-          <a:prstGeom prst="rect">
-            <a:avLst/>
-          </a:prstGeom>
-          <a:noFill/>
-          <a:ln w="9525">
-            <a:noFill/>
-            <a:miter lim="800000"/>
-            <a:headEnd/>
-            <a:tailEnd type="none" w="lg" len="lg"/>
-          </a:ln>
-        </p:spPr>
-        <p:txBody>
-          <a:bodyPr>
-            <a:spAutoFit/>
-          </a:bodyPr>
-          <a:lstStyle/>
-          <a:p>
-            <a:pPr>
-              <a:buNone/>
-            </a:pPr>
-            <a:r>
-              <a:rPr lang="en-US" sz="6000" dirty="0">
-                <a:latin typeface="Comic Sans MS" pitchFamily="66" charset="0"/>
-              </a:rPr>
-              <a:t>Mating Ritual is </a:t>
-            </a:r>
-            <a:r>
-              <a:rPr lang="en-US" sz="6000" dirty="0">
-                <a:solidFill>
-                  <a:srgbClr val="008000"/>
-                </a:solidFill>
-                <a:latin typeface="Comic Sans MS" pitchFamily="66" charset="0"/>
-              </a:rPr>
-              <a:t>Optimal</a:t>
-            </a:r>
-            <a:r>
-              <a:rPr lang="en-US" sz="6000" dirty="0">
-                <a:latin typeface="Comic Sans MS" pitchFamily="66" charset="0"/>
-              </a:rPr>
-              <a:t> for all </a:t>
-            </a:r>
-            <a:r>
-              <a:rPr lang="en-US" sz="6000" dirty="0" smtClean="0">
-                <a:latin typeface="Comic Sans MS" pitchFamily="66" charset="0"/>
-              </a:rPr>
-              <a:t>boys </a:t>
-            </a:r>
-            <a:r>
-              <a:rPr lang="en-US" sz="6000" dirty="0">
-                <a:latin typeface="Comic Sans MS" pitchFamily="66" charset="0"/>
-              </a:rPr>
-              <a:t>at once.</a:t>
-            </a:r>
-          </a:p>
-          <a:p>
-            <a:pPr>
-              <a:buNone/>
-            </a:pPr>
-            <a:r>
-              <a:rPr lang="en-US" sz="6000" dirty="0" err="1">
-                <a:solidFill>
-                  <a:schemeClr val="hlink"/>
-                </a:solidFill>
-                <a:latin typeface="Comic Sans MS" pitchFamily="66" charset="0"/>
-              </a:rPr>
-              <a:t>Pessimal</a:t>
-            </a:r>
-            <a:r>
-              <a:rPr lang="en-US" sz="6000" dirty="0">
-                <a:latin typeface="Comic Sans MS" pitchFamily="66" charset="0"/>
-              </a:rPr>
-              <a:t> for all </a:t>
-            </a:r>
-            <a:r>
-              <a:rPr lang="en-US" sz="6000" dirty="0" smtClean="0">
-                <a:latin typeface="Comic Sans MS" pitchFamily="66" charset="0"/>
-              </a:rPr>
-              <a:t>girls.</a:t>
-            </a:r>
-            <a:endParaRPr lang="en-US" sz="6000" dirty="0">
-              <a:latin typeface="Comic Sans MS" pitchFamily="66" charset="0"/>
-            </a:endParaRPr>
-          </a:p>
-        </p:txBody>
-      </p:sp>
-      <p:sp>
-        <p:nvSpPr>
-          <p:cNvPr id="51204" name="Slide Number Placeholder 1"/>
-          <p:cNvSpPr>
-            <a:spLocks noGrp="1"/>
-          </p:cNvSpPr>
-          <p:nvPr>
-            <p:ph type="sldNum" sz="quarter" idx="10"/>
-          </p:nvPr>
-        </p:nvSpPr>
-        <p:spPr>
-          <a:noFill/>
-        </p:spPr>
-        <p:txBody>
-          <a:bodyPr/>
-          <a:lstStyle/>
-          <a:p>
-            <a:r>
-              <a:rPr lang="en-US" dirty="0" err="1" smtClean="0"/>
-              <a:t>lec</a:t>
-            </a:r>
-            <a:r>
-              <a:rPr lang="en-US" dirty="0" smtClean="0"/>
-              <a:t> 7F.</a:t>
-            </a:r>
-            <a:fld id="{98E15869-363D-4A6A-9DE4-BB4AE5BA2C11}" type="slidenum">
-              <a:rPr lang="en-US" smtClean="0"/>
-              <a:pPr/>
-              <a:t>36</a:t>
-            </a:fld>
-            <a:endParaRPr lang="en-US" dirty="0" smtClean="0"/>
-          </a:p>
-        </p:txBody>
-      </p:sp>
-    </p:spTree>
-    <p:extLst>
-      <p:ext uri="{BB962C8B-B14F-4D97-AF65-F5344CB8AC3E}">
-        <p14:creationId xmlns:p14="http://schemas.microsoft.com/office/powerpoint/2010/main" val="1142436693"/>
-      </p:ext>
-    </p:extLst>
-  </p:cSld>
-  <p:clrMapOvr>
-    <a:masterClrMapping/>
-  </p:clrMapOvr>
-  <p:transition xmlns:p14="http://schemas.microsoft.com/office/powerpoint/2010/main">
-    <p:fade/>
-  </p:transition>
-  <p:timing>
-    <p:tnLst>
-      <p:par>
-        <p:cTn xmlns:p14="http://schemas.microsoft.com/office/powerpoint/2010/main" id="1" dur="indefinite" restart="never" nodeType="tmRoot">
-          <p:childTnLst>
-            <p:seq concurrent="1" nextAc="seek">
-              <p:cTn id="2" dur="indefinite" nodeType="mainSeq">
-                <p:childTnLst>
-                  <p:par>
-                    <p:cTn id="3" fill="hold">
-                      <p:stCondLst>
-                        <p:cond delay="indefinite"/>
-                      </p:stCondLst>
-                      <p:childTnLst>
-                        <p:par>
-                          <p:cTn id="4" fill="hold">
-                            <p:stCondLst>
-                              <p:cond delay="0"/>
-                            </p:stCondLst>
-                            <p:childTnLst>
-                              <p:par>
-                                <p:cTn id="5" presetID="1" presetClass="entr" presetSubtype="0" fill="hold" nodeType="clickEffect">
-                                  <p:stCondLst>
-                                    <p:cond delay="0"/>
-                                  </p:stCondLst>
-                                  <p:childTnLst>
-                                    <p:set>
-                                      <p:cBhvr>
-                                        <p:cTn id="6" dur="1" fill="hold">
-                                          <p:stCondLst>
-                                            <p:cond delay="0"/>
-                                          </p:stCondLst>
-                                        </p:cTn>
-                                        <p:tgtEl>
-                                          <p:spTgt spid="51203">
-                                            <p:txEl>
-                                              <p:pRg st="1" end="1"/>
-                                            </p:txEl>
-                                          </p:spTgt>
-                                        </p:tgtEl>
-                                        <p:attrNameLst>
-                                          <p:attrName>style.visibility</p:attrName>
-                                        </p:attrNameLst>
-                                      </p:cBhvr>
-                                      <p:to>
-                                        <p:strVal val="visible"/>
-                                      </p:to>
-                                    </p:set>
-                                  </p:childTnLst>
-                                </p:cTn>
-                              </p:par>
-                            </p:childTnLst>
-                          </p:cTn>
-                        </p:par>
-                      </p:childTnLst>
-                    </p:cTn>
-                  </p:par>
-                </p:childTnLst>
-              </p:cTn>
-              <p:prevCondLst>
-                <p:cond evt="onPrev" delay="0">
-                  <p:tgtEl>
-                    <p:sldTgt/>
-                  </p:tgtEl>
-                </p:cond>
-              </p:prevCondLst>
-              <p:nextCondLst>
-                <p:cond evt="onNext" delay="0">
-                  <p:tgtEl>
-                    <p:sldTgt/>
-                  </p:tgtEl>
-                </p:cond>
-              </p:nextCondLst>
-            </p:seq>
-          </p:childTnLst>
-        </p:cTn>
-      </p:par>
-    </p:tnLst>
-  </p:timing>
-</p:sld>
-</file>
-
-<file path=ppt/slides/slide37.xml><?xml version="1.0" encoding="utf-8"?>
-<p:sld xmlns:a="http://schemas.openxmlformats.org/drawingml/2006/main" xmlns:r="http://schemas.openxmlformats.org/officeDocument/2006/relationships" xmlns:p="http://schemas.openxmlformats.org/presentationml/2006/main" show="0">
-  <p:cSld>
-    <p:spTree>
-      <p:nvGrpSpPr>
-        <p:cNvPr id="1" name=""/>
-        <p:cNvGrpSpPr/>
-        <p:nvPr/>
-      </p:nvGrpSpPr>
-      <p:grpSpPr>
-        <a:xfrm>
-          <a:off x="0" y="0"/>
-          <a:ext cx="0" cy="0"/>
-          <a:chOff x="0" y="0"/>
-          <a:chExt cx="0" cy="0"/>
-        </a:xfrm>
-      </p:grpSpPr>
-      <p:sp>
-        <p:nvSpPr>
-          <p:cNvPr id="52226" name="Content Placeholder 2"/>
-          <p:cNvSpPr>
-            <a:spLocks noGrp="1"/>
-          </p:cNvSpPr>
-          <p:nvPr>
-            <p:ph idx="1"/>
-          </p:nvPr>
-        </p:nvSpPr>
-        <p:spPr>
-          <a:xfrm>
-            <a:off x="249261" y="1084791"/>
-            <a:ext cx="8712245" cy="4672250"/>
-          </a:xfrm>
-        </p:spPr>
-        <p:txBody>
-          <a:bodyPr/>
-          <a:lstStyle/>
-          <a:p>
-            <a:pPr>
-              <a:buFontTx/>
-              <a:buNone/>
-            </a:pPr>
-            <a:r>
-              <a:rPr lang="en-US" sz="4000" dirty="0" smtClean="0"/>
-              <a:t>Prove boy optimal by</a:t>
-            </a:r>
-            <a:r>
-              <a:rPr lang="en-US" sz="4000" dirty="0" smtClean="0">
-                <a:solidFill>
-                  <a:srgbClr val="0000CC"/>
-                </a:solidFill>
-              </a:rPr>
-              <a:t> </a:t>
-            </a:r>
-            <a:r>
-              <a:rPr lang="en-US" sz="4000" dirty="0" smtClean="0">
-                <a:solidFill>
-                  <a:srgbClr val="C00000"/>
-                </a:solidFill>
-              </a:rPr>
-              <a:t>contradiction</a:t>
-            </a:r>
-            <a:r>
-              <a:rPr lang="en-US" sz="4000" dirty="0" smtClean="0"/>
-              <a:t>:</a:t>
-            </a:r>
-          </a:p>
-          <a:p>
-            <a:pPr>
-              <a:buFontTx/>
-              <a:buNone/>
-            </a:pPr>
-            <a:r>
-              <a:rPr lang="en-US" sz="4000" dirty="0" smtClean="0"/>
-              <a:t>Suppose some boy does not get his </a:t>
-            </a:r>
-          </a:p>
-          <a:p>
-            <a:pPr>
-              <a:buFontTx/>
-              <a:buNone/>
-            </a:pPr>
-            <a:r>
-              <a:rPr lang="en-US" sz="4000" dirty="0" smtClean="0"/>
-              <a:t>optimal girl.  So he must have </a:t>
-            </a:r>
-          </a:p>
-          <a:p>
-            <a:pPr>
-              <a:buFontTx/>
-              <a:buNone/>
-            </a:pPr>
-            <a:r>
-              <a:rPr lang="en-US" sz="4000" dirty="0" smtClean="0"/>
-              <a:t>crossed off his optimal on some </a:t>
-            </a:r>
-          </a:p>
-          <a:p>
-            <a:pPr>
-              <a:buFontTx/>
-              <a:buNone/>
-            </a:pPr>
-            <a:r>
-              <a:rPr lang="en-US" sz="4000" dirty="0" smtClean="0"/>
-              <a:t>earlier  “bad” day.  Consider the 1st </a:t>
-            </a:r>
-          </a:p>
-          <a:p>
-            <a:pPr>
-              <a:buFontTx/>
-              <a:buNone/>
-            </a:pPr>
-            <a:r>
-              <a:rPr lang="en-US" sz="4000" dirty="0" smtClean="0"/>
-              <a:t>bad day.</a:t>
-            </a:r>
-            <a:endParaRPr lang="en-US" sz="3600" dirty="0" smtClean="0"/>
-          </a:p>
-        </p:txBody>
-      </p:sp>
-      <p:sp>
-        <p:nvSpPr>
-          <p:cNvPr id="52227" name="Slide Number Placeholder 3"/>
-          <p:cNvSpPr>
-            <a:spLocks noGrp="1"/>
-          </p:cNvSpPr>
-          <p:nvPr>
-            <p:ph type="sldNum" sz="quarter" idx="10"/>
-          </p:nvPr>
-        </p:nvSpPr>
-        <p:spPr>
-          <a:noFill/>
-        </p:spPr>
-        <p:txBody>
-          <a:bodyPr/>
-          <a:lstStyle/>
-          <a:p>
-            <a:r>
-              <a:rPr lang="en-US" dirty="0" err="1" smtClean="0"/>
-              <a:t>lec</a:t>
-            </a:r>
-            <a:r>
-              <a:rPr lang="en-US" dirty="0" smtClean="0"/>
-              <a:t> 7F.</a:t>
-            </a:r>
-            <a:fld id="{65CBEB4F-F3B6-4041-8D9E-EBDA5BFD33E8}" type="slidenum">
-              <a:rPr lang="en-US" smtClean="0"/>
-              <a:pPr/>
-              <a:t>37</a:t>
-            </a:fld>
-            <a:endParaRPr lang="en-US" dirty="0" smtClean="0"/>
-          </a:p>
-        </p:txBody>
-      </p:sp>
-      <p:sp>
-        <p:nvSpPr>
-          <p:cNvPr id="52228" name="Rectangle 2"/>
-          <p:cNvSpPr>
-            <a:spLocks noGrp="1" noChangeArrowheads="1"/>
-          </p:cNvSpPr>
-          <p:nvPr>
-            <p:ph type="title"/>
-          </p:nvPr>
-        </p:nvSpPr>
-        <p:spPr>
-          <a:xfrm>
-            <a:off x="2617788" y="0"/>
-            <a:ext cx="3929062" cy="1047750"/>
-          </a:xfrm>
-        </p:spPr>
-        <p:txBody>
-          <a:bodyPr/>
-          <a:lstStyle/>
-          <a:p>
-            <a:pPr eaLnBrk="1" hangingPunct="1"/>
-            <a:r>
-              <a:rPr lang="en-US" sz="4400" smtClean="0"/>
-              <a:t>Boy</a:t>
-            </a:r>
-            <a:r>
-              <a:rPr lang="en-US" sz="4400" smtClean="0">
-                <a:solidFill>
-                  <a:srgbClr val="008000"/>
-                </a:solidFill>
-              </a:rPr>
-              <a:t> Optimal</a:t>
-            </a:r>
-          </a:p>
-        </p:txBody>
-      </p:sp>
-    </p:spTree>
-    <p:extLst>
-      <p:ext uri="{BB962C8B-B14F-4D97-AF65-F5344CB8AC3E}">
-        <p14:creationId xmlns:p14="http://schemas.microsoft.com/office/powerpoint/2010/main" val="1421597249"/>
-      </p:ext>
-    </p:extLst>
-  </p:cSld>
-  <p:clrMapOvr>
-    <a:masterClrMapping/>
-  </p:clrMapOvr>
-  <p:transition xmlns:p14="http://schemas.microsoft.com/office/powerpoint/2010/main"/>
-  <p:timing>
-    <p:tnLst>
-      <p:par>
-        <p:cTn xmlns:p14="http://schemas.microsoft.com/office/powerpoint/2010/main" id="1" dur="indefinite" restart="never" nodeType="tmRoot"/>
-      </p:par>
-    </p:tnLst>
-  </p:timing>
-</p:sld>
-</file>
-
-<file path=ppt/slides/slide38.xml><?xml version="1.0" encoding="utf-8"?>
-<p:sld xmlns:a="http://schemas.openxmlformats.org/drawingml/2006/main" xmlns:r="http://schemas.openxmlformats.org/officeDocument/2006/relationships" xmlns:p="http://schemas.openxmlformats.org/presentationml/2006/main" show="0">
-  <p:cSld>
-    <p:spTree>
-      <p:nvGrpSpPr>
-        <p:cNvPr id="1" name=""/>
-        <p:cNvGrpSpPr/>
-        <p:nvPr/>
-      </p:nvGrpSpPr>
-      <p:grpSpPr>
-        <a:xfrm>
-          <a:off x="0" y="0"/>
-          <a:ext cx="0" cy="0"/>
-          <a:chOff x="0" y="0"/>
-          <a:chExt cx="0" cy="0"/>
-        </a:xfrm>
-      </p:grpSpPr>
-      <p:sp>
-        <p:nvSpPr>
-          <p:cNvPr id="53251" name="Slide Number Placeholder 3"/>
-          <p:cNvSpPr>
-            <a:spLocks noGrp="1"/>
-          </p:cNvSpPr>
-          <p:nvPr>
-            <p:ph type="sldNum" sz="quarter" idx="10"/>
-          </p:nvPr>
-        </p:nvSpPr>
-        <p:spPr>
-          <a:noFill/>
-        </p:spPr>
-        <p:txBody>
-          <a:bodyPr/>
-          <a:lstStyle/>
-          <a:p>
-            <a:r>
-              <a:rPr lang="en-US" dirty="0" err="1" smtClean="0"/>
-              <a:t>lec</a:t>
-            </a:r>
-            <a:r>
-              <a:rPr lang="en-US" dirty="0" smtClean="0"/>
-              <a:t> 7F.</a:t>
-            </a:r>
-            <a:fld id="{7F2E48C5-A124-4D02-B5E8-431746CA306C}" type="slidenum">
-              <a:rPr lang="en-US" smtClean="0"/>
-              <a:pPr/>
-              <a:t>38</a:t>
-            </a:fld>
-            <a:endParaRPr lang="en-US" dirty="0" smtClean="0"/>
-          </a:p>
-        </p:txBody>
-      </p:sp>
-      <p:sp>
-        <p:nvSpPr>
-          <p:cNvPr id="53252" name="Rectangle 2"/>
-          <p:cNvSpPr>
-            <a:spLocks noGrp="1" noChangeArrowheads="1"/>
-          </p:cNvSpPr>
-          <p:nvPr>
-            <p:ph type="title"/>
-          </p:nvPr>
-        </p:nvSpPr>
-        <p:spPr>
-          <a:xfrm>
-            <a:off x="2617788" y="0"/>
-            <a:ext cx="3929062" cy="1047750"/>
-          </a:xfrm>
-        </p:spPr>
-        <p:txBody>
-          <a:bodyPr/>
-          <a:lstStyle/>
-          <a:p>
-            <a:pPr eaLnBrk="1" hangingPunct="1"/>
-            <a:r>
-              <a:rPr lang="en-US" sz="4400" smtClean="0"/>
-              <a:t>Boy</a:t>
-            </a:r>
-            <a:r>
-              <a:rPr lang="en-US" sz="4400" smtClean="0">
-                <a:solidFill>
-                  <a:srgbClr val="008000"/>
-                </a:solidFill>
-              </a:rPr>
-              <a:t> Optimal</a:t>
-            </a:r>
-          </a:p>
-        </p:txBody>
-      </p:sp>
-      <p:sp>
-        <p:nvSpPr>
-          <p:cNvPr id="5" name="TextBox 4"/>
-          <p:cNvSpPr txBox="1"/>
-          <p:nvPr/>
-        </p:nvSpPr>
-        <p:spPr>
-          <a:xfrm>
-            <a:off x="212506" y="1777753"/>
-            <a:ext cx="8320407" cy="2923877"/>
-          </a:xfrm>
-          <a:prstGeom prst="rect">
-            <a:avLst/>
-          </a:prstGeom>
-          <a:noFill/>
-        </p:spPr>
-        <p:txBody>
-          <a:bodyPr wrap="none" rtlCol="0">
-            <a:spAutoFit/>
-          </a:bodyPr>
-          <a:lstStyle/>
-          <a:p>
-            <a:pPr lvl="0" eaLnBrk="0" hangingPunct="0">
-              <a:spcBef>
-                <a:spcPct val="20000"/>
-              </a:spcBef>
-              <a:buNone/>
-            </a:pPr>
-            <a:r>
-              <a:rPr lang="en-US" sz="4000" kern="0" dirty="0" smtClean="0">
-                <a:solidFill>
-                  <a:srgbClr val="000000"/>
-                </a:solidFill>
-                <a:latin typeface="Comic Sans MS" pitchFamily="66" charset="0"/>
-              </a:rPr>
-              <a:t>                         </a:t>
-            </a:r>
-            <a:r>
-              <a:rPr lang="en-US" sz="4000" kern="0" dirty="0" smtClean="0">
-                <a:solidFill>
-                  <a:srgbClr val="0000CC"/>
-                </a:solidFill>
-                <a:latin typeface="Comic Sans MS" pitchFamily="66" charset="0"/>
-              </a:rPr>
-              <a:t>         </a:t>
-            </a:r>
-            <a:r>
-              <a:rPr lang="en-US" sz="4000" kern="0" dirty="0" smtClean="0">
-                <a:solidFill>
-                  <a:srgbClr val="000000"/>
-                </a:solidFill>
-                <a:latin typeface="Comic Sans MS" pitchFamily="66" charset="0"/>
-              </a:rPr>
-              <a:t>      Happens </a:t>
-            </a:r>
-          </a:p>
-          <a:p>
-            <a:pPr lvl="0" eaLnBrk="0" hangingPunct="0">
-              <a:spcBef>
-                <a:spcPct val="20000"/>
-              </a:spcBef>
-              <a:buNone/>
-            </a:pPr>
-            <a:r>
-              <a:rPr lang="en-US" sz="4000" kern="0" dirty="0" smtClean="0">
-                <a:solidFill>
-                  <a:srgbClr val="000000"/>
-                </a:solidFill>
-                <a:latin typeface="Comic Sans MS" pitchFamily="66" charset="0"/>
-              </a:rPr>
-              <a:t>because </a:t>
-            </a:r>
-            <a:r>
-              <a:rPr lang="en-US" sz="4000" kern="0" dirty="0" smtClean="0">
-                <a:solidFill>
-                  <a:srgbClr val="0000CC"/>
-                </a:solidFill>
-                <a:latin typeface="Comic Sans MS" pitchFamily="66" charset="0"/>
-              </a:rPr>
-              <a:t>Tom</a:t>
-            </a:r>
-            <a:r>
-              <a:rPr lang="en-US" sz="4000" kern="0" dirty="0" smtClean="0">
-                <a:solidFill>
-                  <a:srgbClr val="000000"/>
-                </a:solidFill>
-                <a:latin typeface="Comic Sans MS" pitchFamily="66" charset="0"/>
-              </a:rPr>
-              <a:t> is serenading her.</a:t>
-            </a:r>
-          </a:p>
-          <a:p>
-            <a:pPr marL="342900" lvl="0" indent="-342900" eaLnBrk="0" hangingPunct="0">
-              <a:spcBef>
-                <a:spcPct val="20000"/>
-              </a:spcBef>
-              <a:buFont typeface="Arial" pitchFamily="34" charset="0"/>
-              <a:buChar char="•"/>
-            </a:pPr>
-            <a:r>
-              <a:rPr lang="en-US" sz="4000" kern="0" dirty="0" smtClean="0">
-                <a:solidFill>
-                  <a:srgbClr val="0000CC"/>
-                </a:solidFill>
-                <a:latin typeface="Comic Sans MS" pitchFamily="66" charset="0"/>
-              </a:rPr>
-              <a:t>Nicole</a:t>
-            </a:r>
-            <a:r>
-              <a:rPr lang="en-US" sz="4000" kern="0" dirty="0" smtClean="0">
-                <a:solidFill>
-                  <a:srgbClr val="000000"/>
-                </a:solidFill>
-                <a:latin typeface="Comic Sans MS" pitchFamily="66" charset="0"/>
-              </a:rPr>
-              <a:t> is optimal for </a:t>
-            </a:r>
-            <a:r>
-              <a:rPr lang="en-US" sz="4000" kern="0" dirty="0" smtClean="0">
-                <a:solidFill>
-                  <a:srgbClr val="0000CC"/>
-                </a:solidFill>
-                <a:latin typeface="Comic Sans MS" pitchFamily="66" charset="0"/>
-              </a:rPr>
-              <a:t>Keith</a:t>
-            </a:r>
-          </a:p>
-          <a:p>
-            <a:pPr marL="342900" lvl="0" indent="-342900" eaLnBrk="0" hangingPunct="0">
-              <a:spcBef>
-                <a:spcPct val="20000"/>
-              </a:spcBef>
-              <a:buFont typeface="Arial" pitchFamily="34" charset="0"/>
-              <a:buChar char="•"/>
-            </a:pPr>
-            <a:r>
-              <a:rPr lang="en-US" sz="4000" kern="0" dirty="0" smtClean="0">
-                <a:solidFill>
-                  <a:srgbClr val="0000CC"/>
-                </a:solidFill>
-                <a:latin typeface="Comic Sans MS" pitchFamily="66" charset="0"/>
-              </a:rPr>
-              <a:t>Nicole</a:t>
-            </a:r>
-            <a:r>
-              <a:rPr lang="en-US" sz="4000" kern="0" dirty="0" smtClean="0">
-                <a:solidFill>
-                  <a:srgbClr val="000000"/>
-                </a:solidFill>
-                <a:latin typeface="Comic Sans MS" pitchFamily="66" charset="0"/>
-              </a:rPr>
-              <a:t> prefers </a:t>
-            </a:r>
-            <a:r>
-              <a:rPr lang="en-US" sz="4000" kern="0" dirty="0" smtClean="0">
-                <a:solidFill>
-                  <a:srgbClr val="0000CC"/>
-                </a:solidFill>
-                <a:latin typeface="Comic Sans MS" pitchFamily="66" charset="0"/>
-              </a:rPr>
-              <a:t>Tom</a:t>
-            </a:r>
-            <a:r>
-              <a:rPr lang="en-US" sz="4000" kern="0" dirty="0" smtClean="0">
-                <a:solidFill>
-                  <a:srgbClr val="000000"/>
-                </a:solidFill>
-                <a:latin typeface="Comic Sans MS" pitchFamily="66" charset="0"/>
-              </a:rPr>
-              <a:t> to </a:t>
-            </a:r>
-            <a:r>
-              <a:rPr lang="en-US" sz="4000" kern="0" dirty="0" smtClean="0">
-                <a:solidFill>
-                  <a:srgbClr val="0000CC"/>
-                </a:solidFill>
-                <a:latin typeface="Comic Sans MS" pitchFamily="66" charset="0"/>
-              </a:rPr>
-              <a:t>Keith</a:t>
-            </a:r>
-          </a:p>
-        </p:txBody>
-      </p:sp>
-      <p:sp>
-        <p:nvSpPr>
-          <p:cNvPr id="3" name="Content Placeholder 2"/>
-          <p:cNvSpPr>
-            <a:spLocks noGrp="1"/>
-          </p:cNvSpPr>
-          <p:nvPr>
-            <p:ph idx="1"/>
-          </p:nvPr>
-        </p:nvSpPr>
-        <p:spPr>
-          <a:xfrm>
-            <a:off x="212706" y="1163292"/>
-            <a:ext cx="8794788" cy="1294955"/>
-          </a:xfrm>
-        </p:spPr>
-        <p:txBody>
-          <a:bodyPr/>
-          <a:lstStyle/>
-          <a:p>
-            <a:pPr>
-              <a:buFontTx/>
-              <a:buNone/>
-            </a:pPr>
-            <a:r>
-              <a:rPr lang="en-US" sz="3600" dirty="0" smtClean="0"/>
-              <a:t>On 1st bad day some boy, </a:t>
-            </a:r>
-            <a:r>
-              <a:rPr lang="en-US" sz="3600" dirty="0" smtClean="0">
-                <a:solidFill>
-                  <a:srgbClr val="0000CC"/>
-                </a:solidFill>
-              </a:rPr>
-              <a:t>Keith</a:t>
-            </a:r>
-            <a:r>
-              <a:rPr lang="en-US" sz="3600" dirty="0" smtClean="0"/>
-              <a:t>, crosses </a:t>
-            </a:r>
-          </a:p>
-          <a:p>
-            <a:pPr>
-              <a:buFontTx/>
-              <a:buNone/>
-            </a:pPr>
-            <a:r>
-              <a:rPr lang="en-US" sz="3600" dirty="0" smtClean="0"/>
-              <a:t>off his optimal girl, </a:t>
-            </a:r>
-            <a:r>
-              <a:rPr lang="en-US" sz="3600" dirty="0" smtClean="0">
-                <a:solidFill>
-                  <a:srgbClr val="0000CC"/>
-                </a:solidFill>
-              </a:rPr>
-              <a:t>Nicole</a:t>
-            </a:r>
-            <a:r>
-              <a:rPr lang="en-US" sz="3600" dirty="0" smtClean="0"/>
-              <a:t>.</a:t>
-            </a:r>
-          </a:p>
-        </p:txBody>
-      </p:sp>
-    </p:spTree>
-    <p:extLst>
-      <p:ext uri="{BB962C8B-B14F-4D97-AF65-F5344CB8AC3E}">
-        <p14:creationId xmlns:p14="http://schemas.microsoft.com/office/powerpoint/2010/main" val="4263271826"/>
-      </p:ext>
-    </p:extLst>
-  </p:cSld>
-  <p:clrMapOvr>
-    <a:masterClrMapping/>
-  </p:clrMapOvr>
-  <p:transition xmlns:p14="http://schemas.microsoft.com/office/powerpoint/2010/main"/>
-  <p:timing>
-    <p:tnLst>
-      <p:par>
-        <p:cTn xmlns:p14="http://schemas.microsoft.com/office/powerpoint/2010/main" id="1" dur="indefinite" restart="never" nodeType="tmRoot">
-          <p:childTnLst>
-            <p:seq concurrent="1" nextAc="seek">
-              <p:cTn id="2" dur="indefinite" nodeType="mainSeq">
-                <p:childTnLst>
-                  <p:par>
-                    <p:cTn id="3" fill="hold">
-                      <p:stCondLst>
-                        <p:cond delay="indefinite"/>
-                      </p:stCondLst>
-                      <p:childTnLst>
-                        <p:par>
-                          <p:cTn id="4" fill="hold">
-                            <p:stCondLst>
-                              <p:cond delay="0"/>
-                            </p:stCondLst>
-                            <p:childTnLst>
-                              <p:par>
-                                <p:cTn id="5" presetID="1" presetClass="entr" presetSubtype="0" fill="hold" grpId="0" nodeType="clickEffect">
-                                  <p:stCondLst>
-                                    <p:cond delay="0"/>
-                                  </p:stCondLst>
-                                  <p:childTnLst>
-                                    <p:set>
-                                      <p:cBhvr>
-                                        <p:cTn id="6" dur="1" fill="hold">
-                                          <p:stCondLst>
-                                            <p:cond delay="0"/>
-                                          </p:stCondLst>
-                                        </p:cTn>
-                                        <p:tgtEl>
-                                          <p:spTgt spid="5">
-                                            <p:txEl>
-                                              <p:pRg st="0" end="0"/>
-                                            </p:txEl>
-                                          </p:spTgt>
-                                        </p:tgtEl>
-                                        <p:attrNameLst>
-                                          <p:attrName>style.visibility</p:attrName>
-                                        </p:attrNameLst>
-                                      </p:cBhvr>
-                                      <p:to>
-                                        <p:strVal val="visible"/>
-                                      </p:to>
-                                    </p:set>
-                                  </p:childTnLst>
-                                </p:cTn>
-                              </p:par>
-                              <p:par>
-                                <p:cTn id="7" presetID="1" presetClass="entr" presetSubtype="0" fill="hold" grpId="0" nodeType="withEffect">
-                                  <p:stCondLst>
-                                    <p:cond delay="0"/>
-                                  </p:stCondLst>
-                                  <p:childTnLst>
-                                    <p:set>
-                                      <p:cBhvr>
-                                        <p:cTn id="8" dur="1" fill="hold">
-                                          <p:stCondLst>
-                                            <p:cond delay="0"/>
-                                          </p:stCondLst>
-                                        </p:cTn>
-                                        <p:tgtEl>
-                                          <p:spTgt spid="5">
-                                            <p:txEl>
-                                              <p:pRg st="1" end="1"/>
-                                            </p:txEl>
-                                          </p:spTgt>
-                                        </p:tgtEl>
-                                        <p:attrNameLst>
-                                          <p:attrName>style.visibility</p:attrName>
-                                        </p:attrNameLst>
-                                      </p:cBhvr>
-                                      <p:to>
-                                        <p:strVal val="visible"/>
-                                      </p:to>
-                                    </p:set>
-                                  </p:childTnLst>
-                                </p:cTn>
-                              </p:par>
-                            </p:childTnLst>
-                          </p:cTn>
-                        </p:par>
-                      </p:childTnLst>
-                    </p:cTn>
-                  </p:par>
-                  <p:par>
-                    <p:cTn id="9" fill="hold">
-                      <p:stCondLst>
-                        <p:cond delay="indefinite"/>
-                      </p:stCondLst>
-                      <p:childTnLst>
-                        <p:par>
-                          <p:cTn id="10" fill="hold">
-                            <p:stCondLst>
-                              <p:cond delay="0"/>
-                            </p:stCondLst>
-                            <p:childTnLst>
-                              <p:par>
-                                <p:cTn id="11" presetID="1" presetClass="entr" presetSubtype="0" fill="hold" grpId="0" nodeType="clickEffect">
-                                  <p:stCondLst>
-                                    <p:cond delay="0"/>
-                                  </p:stCondLst>
-                                  <p:childTnLst>
-                                    <p:set>
-                                      <p:cBhvr>
-                                        <p:cTn id="12" dur="1" fill="hold">
-                                          <p:stCondLst>
-                                            <p:cond delay="0"/>
-                                          </p:stCondLst>
-                                        </p:cTn>
-                                        <p:tgtEl>
-                                          <p:spTgt spid="5">
-                                            <p:txEl>
-                                              <p:pRg st="2" end="2"/>
-                                            </p:txEl>
-                                          </p:spTgt>
-                                        </p:tgtEl>
-                                        <p:attrNameLst>
-                                          <p:attrName>style.visibility</p:attrName>
-                                        </p:attrNameLst>
-                                      </p:cBhvr>
-                                      <p:to>
-                                        <p:strVal val="visible"/>
-                                      </p:to>
-                                    </p:set>
-                                  </p:childTnLst>
-                                </p:cTn>
-                              </p:par>
-                            </p:childTnLst>
-                          </p:cTn>
-                        </p:par>
-                      </p:childTnLst>
-                    </p:cTn>
-                  </p:par>
-                  <p:par>
-                    <p:cTn id="13" fill="hold">
-                      <p:stCondLst>
-                        <p:cond delay="indefinite"/>
-                      </p:stCondLst>
-                      <p:childTnLst>
-                        <p:par>
-                          <p:cTn id="14" fill="hold">
-                            <p:stCondLst>
-                              <p:cond delay="0"/>
-                            </p:stCondLst>
-                            <p:childTnLst>
-                              <p:par>
-                                <p:cTn id="15" presetID="1" presetClass="entr" presetSubtype="0" fill="hold" grpId="0" nodeType="clickEffect">
-                                  <p:stCondLst>
-                                    <p:cond delay="0"/>
-                                  </p:stCondLst>
-                                  <p:childTnLst>
-                                    <p:set>
-                                      <p:cBhvr>
-                                        <p:cTn id="16" dur="1" fill="hold">
-                                          <p:stCondLst>
-                                            <p:cond delay="0"/>
-                                          </p:stCondLst>
-                                        </p:cTn>
-                                        <p:tgtEl>
-                                          <p:spTgt spid="5">
-                                            <p:txEl>
-                                              <p:pRg st="3" end="3"/>
-                                            </p:txEl>
-                                          </p:spTgt>
-                                        </p:tgtEl>
-                                        <p:attrNameLst>
-                                          <p:attrName>style.visibility</p:attrName>
-                                        </p:attrNameLst>
-                                      </p:cBhvr>
-                                      <p:to>
-                                        <p:strVal val="visible"/>
-                                      </p:to>
-                                    </p:set>
-                                  </p:childTnLst>
-                                </p:cTn>
-                              </p:par>
-                            </p:childTnLst>
-                          </p:cTn>
-                        </p:par>
-                      </p:childTnLst>
-                    </p:cTn>
-                  </p:par>
-                </p:childTnLst>
-              </p:cTn>
-              <p:prevCondLst>
-                <p:cond evt="onPrev" delay="0">
-                  <p:tgtEl>
-                    <p:sldTgt/>
-                  </p:tgtEl>
-                </p:cond>
-              </p:prevCondLst>
-              <p:nextCondLst>
-                <p:cond evt="onNext" delay="0">
-                  <p:tgtEl>
-                    <p:sldTgt/>
-                  </p:tgtEl>
-                </p:cond>
-              </p:nextCondLst>
-            </p:seq>
-          </p:childTnLst>
-        </p:cTn>
-      </p:par>
-    </p:tnLst>
-    <p:bldLst>
-      <p:bldP spid="5" grpId="0" build="allAtOnce"/>
-    </p:bldLst>
-  </p:timing>
-</p:sld>
-</file>
-
-<file path=ppt/slides/slide39.xml><?xml version="1.0" encoding="utf-8"?>
-<p:sld xmlns:a="http://schemas.openxmlformats.org/drawingml/2006/main" xmlns:r="http://schemas.openxmlformats.org/officeDocument/2006/relationships" xmlns:p="http://schemas.openxmlformats.org/presentationml/2006/main" show="0">
-  <p:cSld>
-    <p:spTree>
-      <p:nvGrpSpPr>
-        <p:cNvPr id="1" name=""/>
-        <p:cNvGrpSpPr/>
-        <p:nvPr/>
-      </p:nvGrpSpPr>
-      <p:grpSpPr>
-        <a:xfrm>
-          <a:off x="0" y="0"/>
-          <a:ext cx="0" cy="0"/>
-          <a:chOff x="0" y="0"/>
-          <a:chExt cx="0" cy="0"/>
-        </a:xfrm>
-      </p:grpSpPr>
-      <p:sp>
-        <p:nvSpPr>
-          <p:cNvPr id="3" name="Content Placeholder 2"/>
-          <p:cNvSpPr>
-            <a:spLocks noGrp="1"/>
-          </p:cNvSpPr>
-          <p:nvPr>
-            <p:ph idx="1"/>
-          </p:nvPr>
-        </p:nvSpPr>
-        <p:spPr>
-          <a:xfrm>
-            <a:off x="181459" y="1598882"/>
-            <a:ext cx="8875003" cy="3469686"/>
-          </a:xfrm>
-        </p:spPr>
-        <p:txBody>
-          <a:bodyPr/>
-          <a:lstStyle/>
-          <a:p>
-            <a:pPr>
-              <a:buFontTx/>
-              <a:buNone/>
-            </a:pPr>
-            <a:r>
-              <a:rPr lang="en-US" sz="4400" dirty="0" smtClean="0">
-                <a:solidFill>
-                  <a:srgbClr val="000000"/>
-                </a:solidFill>
-              </a:rPr>
-              <a:t>Also, </a:t>
-            </a:r>
-            <a:r>
-              <a:rPr lang="en-US" sz="4400" dirty="0" smtClean="0">
-                <a:solidFill>
-                  <a:srgbClr val="0000CC"/>
-                </a:solidFill>
-              </a:rPr>
-              <a:t>Tom</a:t>
-            </a:r>
-            <a:r>
-              <a:rPr lang="en-US" sz="4400" dirty="0" smtClean="0"/>
-              <a:t> has not crossed off </a:t>
-            </a:r>
-          </a:p>
-          <a:p>
-            <a:pPr>
-              <a:buFontTx/>
-              <a:buNone/>
-            </a:pPr>
-            <a:r>
-              <a:rPr lang="en-US" sz="4400" dirty="0" smtClean="0"/>
-              <a:t>his optimal girl and is serenading </a:t>
-            </a:r>
-          </a:p>
-          <a:p>
-            <a:pPr>
-              <a:buFontTx/>
-              <a:buNone/>
-            </a:pPr>
-            <a:r>
-              <a:rPr lang="en-US" sz="4400" dirty="0" smtClean="0">
-                <a:solidFill>
-                  <a:srgbClr val="0000CC"/>
-                </a:solidFill>
-              </a:rPr>
-              <a:t>Nicole</a:t>
-            </a:r>
-            <a:r>
-              <a:rPr lang="en-US" sz="4400" dirty="0" smtClean="0"/>
-              <a:t>, so</a:t>
-            </a:r>
-          </a:p>
-          <a:p>
-            <a:pPr>
-              <a:buFont typeface="Arial" pitchFamily="34" charset="0"/>
-              <a:buChar char="•"/>
-            </a:pPr>
-            <a:r>
-              <a:rPr lang="en-US" sz="4400" dirty="0" smtClean="0">
-                <a:solidFill>
-                  <a:srgbClr val="0000CC"/>
-                </a:solidFill>
-              </a:rPr>
-              <a:t>Nicole</a:t>
-            </a:r>
-            <a:r>
-              <a:rPr lang="en-US" sz="4400" dirty="0" smtClean="0"/>
-              <a:t> i</a:t>
-            </a:r>
-            <a:r>
-              <a:rPr lang="en-US" sz="4400" dirty="0" smtClean="0">
-                <a:latin typeface="Comic Sans MS"/>
-                <a:cs typeface="Comic Sans MS"/>
-              </a:rPr>
-              <a:t>s</a:t>
-            </a:r>
-            <a:r>
-              <a:rPr lang="en-US" sz="4400" dirty="0" smtClean="0">
-                <a:latin typeface="Euclid Symbol" charset="2"/>
-                <a:cs typeface="Euclid Symbol" charset="2"/>
-              </a:rPr>
-              <a:t> </a:t>
-            </a:r>
-            <a:r>
-              <a:rPr lang="en-US" sz="4400" b="1" dirty="0" smtClean="0">
-                <a:latin typeface="Euclid Symbol" charset="2"/>
-                <a:cs typeface="Euclid Symbol" charset="2"/>
-              </a:rPr>
-              <a:t>≥</a:t>
-            </a:r>
-            <a:r>
-              <a:rPr lang="en-US" sz="4400" dirty="0" smtClean="0"/>
-              <a:t> optimal for </a:t>
-            </a:r>
-            <a:r>
-              <a:rPr lang="en-US" sz="4400" dirty="0" smtClean="0">
-                <a:solidFill>
-                  <a:srgbClr val="0000CC"/>
-                </a:solidFill>
-              </a:rPr>
-              <a:t>Tom</a:t>
-            </a:r>
-          </a:p>
-        </p:txBody>
-      </p:sp>
-      <p:sp>
-        <p:nvSpPr>
-          <p:cNvPr id="54275" name="Slide Number Placeholder 3"/>
-          <p:cNvSpPr>
-            <a:spLocks noGrp="1"/>
-          </p:cNvSpPr>
-          <p:nvPr>
-            <p:ph type="sldNum" sz="quarter" idx="10"/>
-          </p:nvPr>
-        </p:nvSpPr>
-        <p:spPr>
-          <a:noFill/>
-        </p:spPr>
-        <p:txBody>
-          <a:bodyPr/>
-          <a:lstStyle/>
-          <a:p>
-            <a:r>
-              <a:rPr lang="en-US" dirty="0" err="1" smtClean="0"/>
-              <a:t>lec</a:t>
-            </a:r>
-            <a:r>
-              <a:rPr lang="en-US" dirty="0" smtClean="0"/>
-              <a:t> 7F.</a:t>
-            </a:r>
-            <a:fld id="{17EB9E32-BBFB-4A93-A629-8985322E0052}" type="slidenum">
-              <a:rPr lang="en-US" smtClean="0"/>
-              <a:pPr/>
-              <a:t>39</a:t>
-            </a:fld>
-            <a:endParaRPr lang="en-US" dirty="0" smtClean="0"/>
-          </a:p>
-        </p:txBody>
-      </p:sp>
-      <p:sp>
-        <p:nvSpPr>
-          <p:cNvPr id="54276" name="Rectangle 2"/>
-          <p:cNvSpPr>
-            <a:spLocks noGrp="1" noChangeArrowheads="1"/>
-          </p:cNvSpPr>
-          <p:nvPr>
-            <p:ph type="title"/>
-          </p:nvPr>
-        </p:nvSpPr>
-        <p:spPr>
-          <a:xfrm>
-            <a:off x="2617788" y="0"/>
-            <a:ext cx="3929062" cy="1047750"/>
-          </a:xfrm>
-        </p:spPr>
-        <p:txBody>
-          <a:bodyPr/>
-          <a:lstStyle/>
-          <a:p>
-            <a:pPr eaLnBrk="1" hangingPunct="1"/>
-            <a:r>
-              <a:rPr lang="en-US" sz="4400" smtClean="0"/>
-              <a:t>Boy</a:t>
-            </a:r>
-            <a:r>
-              <a:rPr lang="en-US" sz="4400" smtClean="0">
-                <a:solidFill>
-                  <a:srgbClr val="008000"/>
-                </a:solidFill>
-              </a:rPr>
-              <a:t> Optimal</a:t>
-            </a:r>
-          </a:p>
-        </p:txBody>
-      </p:sp>
-    </p:spTree>
-    <p:extLst>
-      <p:ext uri="{BB962C8B-B14F-4D97-AF65-F5344CB8AC3E}">
-        <p14:creationId xmlns:p14="http://schemas.microsoft.com/office/powerpoint/2010/main" val="3303177824"/>
-      </p:ext>
-    </p:extLst>
-  </p:cSld>
-  <p:clrMapOvr>
-    <a:masterClrMapping/>
-  </p:clrMapOvr>
-  <p:transition xmlns:p14="http://schemas.microsoft.com/office/powerpoint/2010/main"/>
-  <p:timing>
-    <p:tnLst>
-      <p:par>
-        <p:cTn xmlns:p14="http://schemas.microsoft.com/office/powerpoint/2010/main" id="1" dur="indefinite" restart="never" nodeType="tmRoot">
-          <p:childTnLst>
-            <p:seq concurrent="1" nextAc="seek">
-              <p:cTn id="2" dur="indefinite" nodeType="mainSeq">
-                <p:childTnLst>
-                  <p:par>
-                    <p:cTn id="3" fill="hold">
-                      <p:stCondLst>
-                        <p:cond delay="indefinite"/>
-                      </p:stCondLst>
-                      <p:childTnLst>
-                        <p:par>
-                          <p:cTn id="4" fill="hold">
-                            <p:stCondLst>
-                              <p:cond delay="0"/>
-                            </p:stCondLst>
-                            <p:childTnLst>
-                              <p:par>
-                                <p:cTn id="5" presetID="1" presetClass="entr" presetSubtype="0" fill="hold" nodeType="clickEffect">
-                                  <p:stCondLst>
-                                    <p:cond delay="0"/>
-                                  </p:stCondLst>
-                                  <p:childTnLst>
-                                    <p:set>
-                                      <p:cBhvr>
-                                        <p:cTn id="6" dur="1" fill="hold">
-                                          <p:stCondLst>
-                                            <p:cond delay="0"/>
-                                          </p:stCondLst>
-                                        </p:cTn>
-                                        <p:tgtEl>
-                                          <p:spTgt spid="3">
-                                            <p:txEl>
-                                              <p:pRg st="3" end="3"/>
-                                            </p:txEl>
-                                          </p:spTgt>
-                                        </p:tgtEl>
-                                        <p:attrNameLst>
-                                          <p:attrName>style.visibility</p:attrName>
-                                        </p:attrNameLst>
-                                      </p:cBhvr>
-                                      <p:to>
-                                        <p:strVal val="visible"/>
-                                      </p:to>
-                                    </p:set>
-                                  </p:childTnLst>
-                                </p:cTn>
-                              </p:par>
-                            </p:childTnLst>
-                          </p:cTn>
-                        </p:par>
-                      </p:childTnLst>
-                    </p:cTn>
-                  </p:par>
-                </p:childTnLst>
-              </p:cTn>
-              <p:prevCondLst>
-                <p:cond evt="onPrev" delay="0">
-                  <p:tgtEl>
-                    <p:sldTgt/>
-                  </p:tgtEl>
-                </p:cond>
-              </p:prevCondLst>
-              <p:nextCondLst>
-                <p:cond evt="onNext" delay="0">
-                  <p:tgtEl>
-                    <p:sldTgt/>
-                  </p:tgtEl>
-                </p:cond>
-              </p:nextCondLst>
-            </p:seq>
-          </p:childTnLst>
-        </p:cTn>
-      </p:par>
-    </p:tnLst>
-  </p:timing>
-</p:sld>
-</file>
-
 <file path=ppt/slides/slide4.xml><?xml version="1.0" encoding="utf-8"?>
 <p:sld xmlns:a="http://schemas.openxmlformats.org/drawingml/2006/main" xmlns:r="http://schemas.openxmlformats.org/officeDocument/2006/relationships" xmlns:p="http://schemas.openxmlformats.org/presentationml/2006/main">
   <p:cSld>
@@ -22543,1400 +20264,6 @@
         <p:cTn xmlns:p14="http://schemas.microsoft.com/office/powerpoint/2010/main" id="1" dur="indefinite" restart="never" nodeType="tmRoot"/>
       </p:par>
     </p:tnLst>
-  </p:timing>
-</p:sld>
-</file>
-
-<file path=ppt/slides/slide40.xml><?xml version="1.0" encoding="utf-8"?>
-<p:sld xmlns:a="http://schemas.openxmlformats.org/drawingml/2006/main" xmlns:r="http://schemas.openxmlformats.org/officeDocument/2006/relationships" xmlns:p="http://schemas.openxmlformats.org/presentationml/2006/main" show="0">
-  <p:cSld>
-    <p:spTree>
-      <p:nvGrpSpPr>
-        <p:cNvPr id="1" name=""/>
-        <p:cNvGrpSpPr/>
-        <p:nvPr/>
-      </p:nvGrpSpPr>
-      <p:grpSpPr>
-        <a:xfrm>
-          <a:off x="0" y="0"/>
-          <a:ext cx="0" cy="0"/>
-          <a:chOff x="0" y="0"/>
-          <a:chExt cx="0" cy="0"/>
-        </a:xfrm>
-      </p:grpSpPr>
-      <p:sp>
-        <p:nvSpPr>
-          <p:cNvPr id="55298" name="Slide Number Placeholder 3"/>
-          <p:cNvSpPr>
-            <a:spLocks noGrp="1"/>
-          </p:cNvSpPr>
-          <p:nvPr>
-            <p:ph type="sldNum" sz="quarter" idx="10"/>
-          </p:nvPr>
-        </p:nvSpPr>
-        <p:spPr>
-          <a:noFill/>
-        </p:spPr>
-        <p:txBody>
-          <a:bodyPr/>
-          <a:lstStyle/>
-          <a:p>
-            <a:r>
-              <a:rPr lang="en-US" dirty="0" err="1" smtClean="0"/>
-              <a:t>lec</a:t>
-            </a:r>
-            <a:r>
-              <a:rPr lang="en-US" dirty="0" smtClean="0"/>
-              <a:t> 7F.</a:t>
-            </a:r>
-            <a:fld id="{6CCEBC7E-BB78-4935-B466-2CC68DADAB00}" type="slidenum">
-              <a:rPr lang="en-US" smtClean="0"/>
-              <a:pPr/>
-              <a:t>40</a:t>
-            </a:fld>
-            <a:endParaRPr lang="en-US" dirty="0" smtClean="0"/>
-          </a:p>
-        </p:txBody>
-      </p:sp>
-      <p:sp>
-        <p:nvSpPr>
-          <p:cNvPr id="55299" name="Rectangle 4"/>
-          <p:cNvSpPr>
-            <a:spLocks noChangeArrowheads="1"/>
-          </p:cNvSpPr>
-          <p:nvPr/>
-        </p:nvSpPr>
-        <p:spPr bwMode="auto">
-          <a:xfrm>
-            <a:off x="146910" y="940701"/>
-            <a:ext cx="8897937" cy="2185214"/>
-          </a:xfrm>
-          <a:prstGeom prst="rect">
-            <a:avLst/>
-          </a:prstGeom>
-          <a:noFill/>
-          <a:ln w="9525">
-            <a:noFill/>
-            <a:miter lim="800000"/>
-            <a:headEnd/>
-            <a:tailEnd/>
-          </a:ln>
-        </p:spPr>
-        <p:txBody>
-          <a:bodyPr wrap="square">
-            <a:spAutoFit/>
-          </a:bodyPr>
-          <a:lstStyle/>
-          <a:p>
-            <a:pPr>
-              <a:buFont typeface="Arial" charset="0"/>
-              <a:buChar char="•"/>
-            </a:pPr>
-            <a:r>
-              <a:rPr lang="en-US" sz="4000" dirty="0" smtClean="0">
-                <a:solidFill>
-                  <a:srgbClr val="0000CC"/>
-                </a:solidFill>
-              </a:rPr>
-              <a:t>Nicole</a:t>
-            </a:r>
-            <a:r>
-              <a:rPr lang="en-US" sz="4000" dirty="0" smtClean="0"/>
-              <a:t> </a:t>
-            </a:r>
-            <a:r>
-              <a:rPr lang="en-US" sz="4000" dirty="0"/>
-              <a:t>i</a:t>
-            </a:r>
-            <a:r>
-              <a:rPr lang="en-US" sz="4000" dirty="0">
-                <a:latin typeface="Comic Sans MS"/>
-                <a:cs typeface="Comic Sans MS"/>
-              </a:rPr>
-              <a:t>s</a:t>
-            </a:r>
-            <a:r>
-              <a:rPr lang="en-US" sz="4000" dirty="0">
-                <a:latin typeface="Euclid Symbol" charset="2"/>
-                <a:cs typeface="Euclid Symbol" charset="2"/>
-              </a:rPr>
-              <a:t> </a:t>
-            </a:r>
-            <a:r>
-              <a:rPr lang="en-US" sz="4000" b="1" dirty="0">
-                <a:latin typeface="Euclid Symbol" charset="2"/>
-                <a:cs typeface="Euclid Symbol" charset="2"/>
-              </a:rPr>
-              <a:t>≥</a:t>
-            </a:r>
-            <a:r>
-              <a:rPr lang="en-US" sz="4000" dirty="0"/>
-              <a:t> optimal for </a:t>
-            </a:r>
-            <a:r>
-              <a:rPr lang="en-US" sz="4000" dirty="0">
-                <a:solidFill>
-                  <a:srgbClr val="0000CC"/>
-                </a:solidFill>
-              </a:rPr>
-              <a:t>Tom</a:t>
-            </a:r>
-          </a:p>
-          <a:p>
-            <a:pPr>
-              <a:buFont typeface="Arial" charset="0"/>
-              <a:buChar char="•"/>
-            </a:pPr>
-            <a:r>
-              <a:rPr lang="en-US" sz="4000" dirty="0" smtClean="0">
-                <a:solidFill>
-                  <a:srgbClr val="0000CC"/>
-                </a:solidFill>
-                <a:latin typeface="Comic Sans MS" pitchFamily="66" charset="0"/>
-              </a:rPr>
-              <a:t>Nicole</a:t>
-            </a:r>
-            <a:r>
-              <a:rPr lang="en-US" sz="4000" dirty="0" smtClean="0">
-                <a:latin typeface="Comic Sans MS" pitchFamily="66" charset="0"/>
-              </a:rPr>
-              <a:t> </a:t>
-            </a:r>
-            <a:r>
-              <a:rPr lang="en-US" sz="4000" dirty="0">
-                <a:latin typeface="Comic Sans MS" pitchFamily="66" charset="0"/>
-              </a:rPr>
-              <a:t>is optimal for </a:t>
-            </a:r>
-            <a:r>
-              <a:rPr lang="en-US" sz="4000" dirty="0">
-                <a:solidFill>
-                  <a:srgbClr val="0000CC"/>
-                </a:solidFill>
-                <a:latin typeface="Comic Sans MS" pitchFamily="66" charset="0"/>
-              </a:rPr>
-              <a:t>Keith</a:t>
-            </a:r>
-          </a:p>
-          <a:p>
-            <a:pPr>
-              <a:buFont typeface="Arial" charset="0"/>
-              <a:buChar char="•"/>
-            </a:pPr>
-            <a:r>
-              <a:rPr lang="en-US" sz="4000" dirty="0">
-                <a:solidFill>
-                  <a:srgbClr val="0000CC"/>
-                </a:solidFill>
-                <a:latin typeface="Comic Sans MS" pitchFamily="66" charset="0"/>
-              </a:rPr>
-              <a:t>Nicole</a:t>
-            </a:r>
-            <a:r>
-              <a:rPr lang="en-US" sz="4000" dirty="0">
-                <a:latin typeface="Comic Sans MS" pitchFamily="66" charset="0"/>
-              </a:rPr>
-              <a:t> prefers </a:t>
-            </a:r>
-            <a:r>
-              <a:rPr lang="en-US" sz="4000" dirty="0">
-                <a:solidFill>
-                  <a:srgbClr val="0000CC"/>
-                </a:solidFill>
-                <a:latin typeface="Comic Sans MS" pitchFamily="66" charset="0"/>
-              </a:rPr>
-              <a:t>Tom</a:t>
-            </a:r>
-            <a:r>
-              <a:rPr lang="en-US" sz="4000" dirty="0">
-                <a:latin typeface="Comic Sans MS" pitchFamily="66" charset="0"/>
-              </a:rPr>
-              <a:t> to </a:t>
-            </a:r>
-            <a:r>
-              <a:rPr lang="en-US" sz="4000" dirty="0">
-                <a:solidFill>
-                  <a:srgbClr val="0000CC"/>
-                </a:solidFill>
-                <a:latin typeface="Comic Sans MS" pitchFamily="66" charset="0"/>
-              </a:rPr>
-              <a:t>Keith</a:t>
-            </a:r>
-          </a:p>
-        </p:txBody>
-      </p:sp>
-      <p:sp>
-        <p:nvSpPr>
-          <p:cNvPr id="6" name="TextBox 5"/>
-          <p:cNvSpPr txBox="1">
-            <a:spLocks noChangeArrowheads="1"/>
-          </p:cNvSpPr>
-          <p:nvPr/>
-        </p:nvSpPr>
-        <p:spPr bwMode="auto">
-          <a:xfrm>
-            <a:off x="269449" y="3046743"/>
-            <a:ext cx="8053657" cy="1446550"/>
-          </a:xfrm>
-          <a:prstGeom prst="rect">
-            <a:avLst/>
-          </a:prstGeom>
-          <a:noFill/>
-          <a:ln w="9525">
-            <a:noFill/>
-            <a:miter lim="800000"/>
-            <a:headEnd/>
-            <a:tailEnd/>
-          </a:ln>
-        </p:spPr>
-        <p:txBody>
-          <a:bodyPr wrap="none">
-            <a:spAutoFit/>
-          </a:bodyPr>
-          <a:lstStyle/>
-          <a:p>
-            <a:pPr>
-              <a:buNone/>
-            </a:pPr>
-            <a:r>
-              <a:rPr lang="en-US" sz="4000" dirty="0" smtClean="0">
-                <a:latin typeface="Comic Sans MS" pitchFamily="66" charset="0"/>
-              </a:rPr>
-              <a:t>Must </a:t>
-            </a:r>
-            <a:r>
-              <a:rPr lang="en-US" sz="4000" dirty="0">
-                <a:latin typeface="Comic Sans MS" pitchFamily="66" charset="0"/>
-              </a:rPr>
-              <a:t>be </a:t>
-            </a:r>
-            <a:r>
-              <a:rPr lang="en-US" sz="4000" dirty="0" smtClean="0">
-                <a:solidFill>
-                  <a:srgbClr val="7030A0"/>
-                </a:solidFill>
-                <a:latin typeface="Comic Sans MS" pitchFamily="66" charset="0"/>
-              </a:rPr>
-              <a:t>another </a:t>
-            </a:r>
-            <a:r>
-              <a:rPr lang="en-US" sz="4000" dirty="0" smtClean="0">
-                <a:latin typeface="Comic Sans MS" pitchFamily="66" charset="0"/>
-              </a:rPr>
-              <a:t>stable marriage</a:t>
-            </a:r>
-          </a:p>
-          <a:p>
-            <a:pPr>
-              <a:buNone/>
-            </a:pPr>
-            <a:r>
-              <a:rPr lang="en-US" sz="4000" dirty="0" smtClean="0">
-                <a:latin typeface="Comic Sans MS" pitchFamily="66" charset="0"/>
-              </a:rPr>
-              <a:t>with </a:t>
-            </a:r>
-            <a:r>
-              <a:rPr lang="en-US" sz="4000" dirty="0" smtClean="0">
-                <a:solidFill>
-                  <a:srgbClr val="0000CC"/>
-                </a:solidFill>
-                <a:latin typeface="Comic Sans MS" pitchFamily="66" charset="0"/>
-              </a:rPr>
-              <a:t>Keith </a:t>
-            </a:r>
-            <a:r>
-              <a:rPr lang="en-US" sz="4000" dirty="0" smtClean="0">
-                <a:latin typeface="Comic Sans MS" pitchFamily="66" charset="0"/>
-              </a:rPr>
-              <a:t>married to </a:t>
-            </a:r>
-            <a:r>
-              <a:rPr lang="en-US" sz="4000" dirty="0" smtClean="0">
-                <a:solidFill>
-                  <a:srgbClr val="0000CC"/>
-                </a:solidFill>
-                <a:latin typeface="Comic Sans MS" pitchFamily="66" charset="0"/>
-              </a:rPr>
-              <a:t>Nicole</a:t>
-            </a:r>
-            <a:r>
-              <a:rPr lang="en-US" sz="4000" dirty="0">
-                <a:latin typeface="Comic Sans MS" pitchFamily="66" charset="0"/>
-              </a:rPr>
-              <a:t>.  </a:t>
-            </a:r>
-            <a:endParaRPr lang="en-US" sz="4000" dirty="0">
-              <a:solidFill>
-                <a:schemeClr val="tx2"/>
-              </a:solidFill>
-              <a:latin typeface="Comic Sans MS" pitchFamily="66" charset="0"/>
-            </a:endParaRPr>
-          </a:p>
-        </p:txBody>
-      </p:sp>
-      <p:sp>
-        <p:nvSpPr>
-          <p:cNvPr id="9" name="Rectangle 8"/>
-          <p:cNvSpPr>
-            <a:spLocks noChangeArrowheads="1"/>
-          </p:cNvSpPr>
-          <p:nvPr/>
-        </p:nvSpPr>
-        <p:spPr bwMode="auto">
-          <a:xfrm>
-            <a:off x="265847" y="4509111"/>
-            <a:ext cx="8412162" cy="1323439"/>
-          </a:xfrm>
-          <a:prstGeom prst="rect">
-            <a:avLst/>
-          </a:prstGeom>
-          <a:noFill/>
-          <a:ln w="9525">
-            <a:noFill/>
-            <a:miter lim="800000"/>
-            <a:headEnd/>
-            <a:tailEnd/>
-          </a:ln>
-        </p:spPr>
-        <p:txBody>
-          <a:bodyPr>
-            <a:spAutoFit/>
-          </a:bodyPr>
-          <a:lstStyle/>
-          <a:p>
-            <a:pPr>
-              <a:buNone/>
-            </a:pPr>
-            <a:r>
-              <a:rPr lang="en-US" sz="4000" dirty="0" smtClean="0">
-                <a:solidFill>
-                  <a:srgbClr val="000000"/>
-                </a:solidFill>
-                <a:latin typeface="Comic Sans MS" pitchFamily="66" charset="0"/>
-              </a:rPr>
-              <a:t>But </a:t>
-            </a:r>
-            <a:r>
-              <a:rPr lang="en-US" sz="4000" dirty="0">
-                <a:solidFill>
-                  <a:srgbClr val="000000"/>
-                </a:solidFill>
-                <a:latin typeface="Comic Sans MS" pitchFamily="66" charset="0"/>
-              </a:rPr>
-              <a:t>then </a:t>
-            </a:r>
-            <a:r>
-              <a:rPr lang="en-US" sz="4000" dirty="0">
-                <a:solidFill>
-                  <a:srgbClr val="0000CC"/>
-                </a:solidFill>
-                <a:latin typeface="Comic Sans MS" pitchFamily="66" charset="0"/>
-              </a:rPr>
-              <a:t>Nicole</a:t>
-            </a:r>
-            <a:r>
-              <a:rPr lang="en-US" sz="4000" dirty="0">
-                <a:solidFill>
-                  <a:srgbClr val="000000"/>
-                </a:solidFill>
-                <a:latin typeface="Comic Sans MS" pitchFamily="66" charset="0"/>
-              </a:rPr>
-              <a:t> &amp; </a:t>
-            </a:r>
-            <a:r>
-              <a:rPr lang="en-US" sz="4000" dirty="0" smtClean="0">
-                <a:solidFill>
-                  <a:srgbClr val="0000CC"/>
-                </a:solidFill>
-                <a:latin typeface="Comic Sans MS" pitchFamily="66" charset="0"/>
-              </a:rPr>
-              <a:t>Tom </a:t>
-            </a:r>
-            <a:r>
-              <a:rPr lang="en-US" sz="4000" dirty="0" smtClean="0">
-                <a:solidFill>
-                  <a:srgbClr val="000000"/>
-                </a:solidFill>
-                <a:latin typeface="Comic Sans MS" pitchFamily="66" charset="0"/>
-              </a:rPr>
-              <a:t>are </a:t>
-            </a:r>
-            <a:r>
-              <a:rPr lang="en-US" sz="4000" dirty="0">
-                <a:solidFill>
-                  <a:srgbClr val="C00000"/>
-                </a:solidFill>
-                <a:latin typeface="Comic Sans MS" pitchFamily="66" charset="0"/>
-              </a:rPr>
-              <a:t>rogue</a:t>
-            </a:r>
-            <a:r>
-              <a:rPr lang="en-US" sz="4000" dirty="0">
-                <a:solidFill>
-                  <a:srgbClr val="000000"/>
-                </a:solidFill>
-                <a:latin typeface="Comic Sans MS" pitchFamily="66" charset="0"/>
-              </a:rPr>
-              <a:t>, </a:t>
-            </a:r>
-            <a:r>
-              <a:rPr lang="en-US" sz="4000" dirty="0">
-                <a:latin typeface="Comic Sans MS" pitchFamily="66" charset="0"/>
-              </a:rPr>
-              <a:t>contradicting</a:t>
-            </a:r>
-            <a:r>
-              <a:rPr lang="en-US" sz="4000" dirty="0">
-                <a:solidFill>
-                  <a:srgbClr val="FF0000"/>
-                </a:solidFill>
-                <a:latin typeface="Comic Sans MS" pitchFamily="66" charset="0"/>
-              </a:rPr>
-              <a:t> </a:t>
-            </a:r>
-            <a:r>
-              <a:rPr lang="en-US" sz="4000" dirty="0">
-                <a:solidFill>
-                  <a:srgbClr val="000000"/>
-                </a:solidFill>
-                <a:latin typeface="Comic Sans MS" pitchFamily="66" charset="0"/>
-              </a:rPr>
-              <a:t>stability.</a:t>
-            </a:r>
-          </a:p>
-        </p:txBody>
-      </p:sp>
-      <p:sp>
-        <p:nvSpPr>
-          <p:cNvPr id="55302" name="Rectangle 2"/>
-          <p:cNvSpPr>
-            <a:spLocks noGrp="1" noChangeArrowheads="1"/>
-          </p:cNvSpPr>
-          <p:nvPr>
-            <p:ph type="title"/>
-          </p:nvPr>
-        </p:nvSpPr>
-        <p:spPr>
-          <a:xfrm>
-            <a:off x="2617788" y="0"/>
-            <a:ext cx="3929062" cy="1047750"/>
-          </a:xfrm>
-        </p:spPr>
-        <p:txBody>
-          <a:bodyPr/>
-          <a:lstStyle/>
-          <a:p>
-            <a:pPr eaLnBrk="1" hangingPunct="1"/>
-            <a:r>
-              <a:rPr lang="en-US" sz="4400" smtClean="0"/>
-              <a:t>Boy</a:t>
-            </a:r>
-            <a:r>
-              <a:rPr lang="en-US" sz="4400" smtClean="0">
-                <a:solidFill>
-                  <a:srgbClr val="008000"/>
-                </a:solidFill>
-              </a:rPr>
-              <a:t> Optimal</a:t>
-            </a:r>
-          </a:p>
-        </p:txBody>
-      </p:sp>
-    </p:spTree>
-    <p:extLst>
-      <p:ext uri="{BB962C8B-B14F-4D97-AF65-F5344CB8AC3E}">
-        <p14:creationId xmlns:p14="http://schemas.microsoft.com/office/powerpoint/2010/main" val="3739949637"/>
-      </p:ext>
-    </p:extLst>
-  </p:cSld>
-  <p:clrMapOvr>
-    <a:masterClrMapping/>
-  </p:clrMapOvr>
-  <p:transition xmlns:p14="http://schemas.microsoft.com/office/powerpoint/2010/main"/>
-  <p:timing>
-    <p:tnLst>
-      <p:par>
-        <p:cTn xmlns:p14="http://schemas.microsoft.com/office/powerpoint/2010/main" id="1" dur="indefinite" restart="never" nodeType="tmRoot">
-          <p:childTnLst>
-            <p:seq concurrent="1" nextAc="seek">
-              <p:cTn id="2" dur="indefinite" nodeType="mainSeq">
-                <p:childTnLst>
-                  <p:par>
-                    <p:cTn id="3" fill="hold">
-                      <p:stCondLst>
-                        <p:cond delay="indefinite"/>
-                      </p:stCondLst>
-                      <p:childTnLst>
-                        <p:par>
-                          <p:cTn id="4" fill="hold">
-                            <p:stCondLst>
-                              <p:cond delay="0"/>
-                            </p:stCondLst>
-                            <p:childTnLst>
-                              <p:par>
-                                <p:cTn id="5" presetID="1" presetClass="entr" presetSubtype="0" fill="hold" grpId="0" nodeType="clickEffect">
-                                  <p:stCondLst>
-                                    <p:cond delay="0"/>
-                                  </p:stCondLst>
-                                  <p:childTnLst>
-                                    <p:set>
-                                      <p:cBhvr>
-                                        <p:cTn id="6" dur="1" fill="hold">
-                                          <p:stCondLst>
-                                            <p:cond delay="0"/>
-                                          </p:stCondLst>
-                                        </p:cTn>
-                                        <p:tgtEl>
-                                          <p:spTgt spid="6"/>
-                                        </p:tgtEl>
-                                        <p:attrNameLst>
-                                          <p:attrName>style.visibility</p:attrName>
-                                        </p:attrNameLst>
-                                      </p:cBhvr>
-                                      <p:to>
-                                        <p:strVal val="visible"/>
-                                      </p:to>
-                                    </p:set>
-                                  </p:childTnLst>
-                                </p:cTn>
-                              </p:par>
-                            </p:childTnLst>
-                          </p:cTn>
-                        </p:par>
-                      </p:childTnLst>
-                    </p:cTn>
-                  </p:par>
-                  <p:par>
-                    <p:cTn id="7" fill="hold">
-                      <p:stCondLst>
-                        <p:cond delay="indefinite"/>
-                      </p:stCondLst>
-                      <p:childTnLst>
-                        <p:par>
-                          <p:cTn id="8" fill="hold">
-                            <p:stCondLst>
-                              <p:cond delay="0"/>
-                            </p:stCondLst>
-                            <p:childTnLst>
-                              <p:par>
-                                <p:cTn id="9" presetID="1" presetClass="entr" presetSubtype="0" fill="hold" grpId="0" nodeType="clickEffect">
-                                  <p:stCondLst>
-                                    <p:cond delay="0"/>
-                                  </p:stCondLst>
-                                  <p:childTnLst>
-                                    <p:set>
-                                      <p:cBhvr>
-                                        <p:cTn id="10" dur="1" fill="hold">
-                                          <p:stCondLst>
-                                            <p:cond delay="0"/>
-                                          </p:stCondLst>
-                                        </p:cTn>
-                                        <p:tgtEl>
-                                          <p:spTgt spid="9"/>
-                                        </p:tgtEl>
-                                        <p:attrNameLst>
-                                          <p:attrName>style.visibility</p:attrName>
-                                        </p:attrNameLst>
-                                      </p:cBhvr>
-                                      <p:to>
-                                        <p:strVal val="visible"/>
-                                      </p:to>
-                                    </p:set>
-                                  </p:childTnLst>
-                                </p:cTn>
-                              </p:par>
-                            </p:childTnLst>
-                          </p:cTn>
-                        </p:par>
-                      </p:childTnLst>
-                    </p:cTn>
-                  </p:par>
-                </p:childTnLst>
-              </p:cTn>
-              <p:prevCondLst>
-                <p:cond evt="onPrev" delay="0">
-                  <p:tgtEl>
-                    <p:sldTgt/>
-                  </p:tgtEl>
-                </p:cond>
-              </p:prevCondLst>
-              <p:nextCondLst>
-                <p:cond evt="onNext" delay="0">
-                  <p:tgtEl>
-                    <p:sldTgt/>
-                  </p:tgtEl>
-                </p:cond>
-              </p:nextCondLst>
-            </p:seq>
-          </p:childTnLst>
-        </p:cTn>
-      </p:par>
-    </p:tnLst>
-    <p:bldLst>
-      <p:bldP spid="6" grpId="0"/>
-      <p:bldP spid="9" grpId="0"/>
-    </p:bldLst>
-  </p:timing>
-</p:sld>
-</file>
-
-<file path=ppt/slides/slide41.xml><?xml version="1.0" encoding="utf-8"?>
-<p:sld xmlns:a="http://schemas.openxmlformats.org/drawingml/2006/main" xmlns:r="http://schemas.openxmlformats.org/officeDocument/2006/relationships" xmlns:p="http://schemas.openxmlformats.org/presentationml/2006/main" show="0">
-  <p:cSld>
-    <p:spTree>
-      <p:nvGrpSpPr>
-        <p:cNvPr id="1" name=""/>
-        <p:cNvGrpSpPr/>
-        <p:nvPr/>
-      </p:nvGrpSpPr>
-      <p:grpSpPr>
-        <a:xfrm>
-          <a:off x="0" y="0"/>
-          <a:ext cx="0" cy="0"/>
-          <a:chOff x="0" y="0"/>
-          <a:chExt cx="0" cy="0"/>
-        </a:xfrm>
-      </p:grpSpPr>
-      <p:sp>
-        <p:nvSpPr>
-          <p:cNvPr id="56322" name="Slide Number Placeholder 3"/>
-          <p:cNvSpPr>
-            <a:spLocks noGrp="1"/>
-          </p:cNvSpPr>
-          <p:nvPr>
-            <p:ph type="sldNum" sz="quarter" idx="10"/>
-          </p:nvPr>
-        </p:nvSpPr>
-        <p:spPr>
-          <a:noFill/>
-        </p:spPr>
-        <p:txBody>
-          <a:bodyPr/>
-          <a:lstStyle/>
-          <a:p>
-            <a:r>
-              <a:rPr lang="en-US" dirty="0" err="1" smtClean="0"/>
-              <a:t>lec</a:t>
-            </a:r>
-            <a:r>
-              <a:rPr lang="en-US" dirty="0" smtClean="0"/>
-              <a:t> 7F.</a:t>
-            </a:r>
-            <a:fld id="{9C75F36C-0433-4F6B-BCAF-665E036C6B72}" type="slidenum">
-              <a:rPr lang="en-US" smtClean="0"/>
-              <a:pPr/>
-              <a:t>41</a:t>
-            </a:fld>
-            <a:endParaRPr lang="en-US" dirty="0" smtClean="0"/>
-          </a:p>
-        </p:txBody>
-      </p:sp>
-      <p:sp>
-        <p:nvSpPr>
-          <p:cNvPr id="56323" name="Rectangle 2"/>
-          <p:cNvSpPr>
-            <a:spLocks noGrp="1" noChangeArrowheads="1"/>
-          </p:cNvSpPr>
-          <p:nvPr>
-            <p:ph type="title"/>
-          </p:nvPr>
-        </p:nvSpPr>
-        <p:spPr>
-          <a:xfrm>
-            <a:off x="2617788" y="0"/>
-            <a:ext cx="3929062" cy="1047750"/>
-          </a:xfrm>
-        </p:spPr>
-        <p:txBody>
-          <a:bodyPr/>
-          <a:lstStyle/>
-          <a:p>
-            <a:pPr eaLnBrk="1" hangingPunct="1"/>
-            <a:r>
-              <a:rPr lang="en-US" sz="4400" dirty="0" smtClean="0"/>
-              <a:t>Girl</a:t>
-            </a:r>
-            <a:r>
-              <a:rPr lang="en-US" sz="4400" dirty="0" smtClean="0">
-                <a:solidFill>
-                  <a:srgbClr val="008000"/>
-                </a:solidFill>
-              </a:rPr>
-              <a:t> </a:t>
-            </a:r>
-            <a:r>
-              <a:rPr lang="en-US" sz="4400" dirty="0" err="1" smtClean="0">
-                <a:solidFill>
-                  <a:srgbClr val="C00000"/>
-                </a:solidFill>
-              </a:rPr>
-              <a:t>Pessimal</a:t>
-            </a:r>
-            <a:endParaRPr lang="en-US" sz="4400" dirty="0" smtClean="0">
-              <a:solidFill>
-                <a:srgbClr val="C00000"/>
-              </a:solidFill>
-            </a:endParaRPr>
-          </a:p>
-        </p:txBody>
-      </p:sp>
-      <p:sp>
-        <p:nvSpPr>
-          <p:cNvPr id="56324" name="TextBox 10"/>
-          <p:cNvSpPr txBox="1">
-            <a:spLocks noChangeArrowheads="1"/>
-          </p:cNvSpPr>
-          <p:nvPr/>
-        </p:nvSpPr>
-        <p:spPr bwMode="auto">
-          <a:xfrm>
-            <a:off x="473731" y="2117425"/>
-            <a:ext cx="8268610" cy="2585323"/>
-          </a:xfrm>
-          <a:prstGeom prst="rect">
-            <a:avLst/>
-          </a:prstGeom>
-          <a:noFill/>
-          <a:ln w="9525">
-            <a:noFill/>
-            <a:miter lim="800000"/>
-            <a:headEnd/>
-            <a:tailEnd/>
-          </a:ln>
-        </p:spPr>
-        <p:txBody>
-          <a:bodyPr wrap="none">
-            <a:spAutoFit/>
-          </a:bodyPr>
-          <a:lstStyle/>
-          <a:p>
-            <a:r>
-              <a:rPr lang="en-US" sz="5400" dirty="0">
-                <a:latin typeface="Comic Sans MS" pitchFamily="66" charset="0"/>
-              </a:rPr>
-              <a:t>Similar, easier, </a:t>
-            </a:r>
-            <a:r>
-              <a:rPr lang="en-US" sz="5400" dirty="0" smtClean="0">
-                <a:latin typeface="Comic Sans MS" pitchFamily="66" charset="0"/>
-              </a:rPr>
-              <a:t>argument</a:t>
-            </a:r>
-          </a:p>
-          <a:p>
-            <a:r>
-              <a:rPr lang="en-US" sz="5400" dirty="0" smtClean="0">
-                <a:latin typeface="Comic Sans MS" pitchFamily="66" charset="0"/>
-              </a:rPr>
-              <a:t>implies each girl gets</a:t>
-            </a:r>
-          </a:p>
-          <a:p>
-            <a:r>
-              <a:rPr lang="en-US" sz="5400" dirty="0" smtClean="0">
-                <a:latin typeface="Comic Sans MS" pitchFamily="66" charset="0"/>
-              </a:rPr>
-              <a:t>her </a:t>
-            </a:r>
-            <a:r>
-              <a:rPr lang="en-US" sz="5400" dirty="0">
-                <a:latin typeface="Comic Sans MS" pitchFamily="66" charset="0"/>
-              </a:rPr>
-              <a:t>worst possible boy.</a:t>
-            </a:r>
-          </a:p>
-        </p:txBody>
-      </p:sp>
-    </p:spTree>
-    <p:extLst>
-      <p:ext uri="{BB962C8B-B14F-4D97-AF65-F5344CB8AC3E}">
-        <p14:creationId xmlns:p14="http://schemas.microsoft.com/office/powerpoint/2010/main" val="1997240123"/>
-      </p:ext>
-    </p:extLst>
-  </p:cSld>
-  <p:clrMapOvr>
-    <a:masterClrMapping/>
-  </p:clrMapOvr>
-  <p:transition xmlns:p14="http://schemas.microsoft.com/office/powerpoint/2010/main"/>
-  <p:timing>
-    <p:tnLst>
-      <p:par>
-        <p:cTn xmlns:p14="http://schemas.microsoft.com/office/powerpoint/2010/main" id="1" dur="indefinite" restart="never" nodeType="tmRoot"/>
-      </p:par>
-    </p:tnLst>
-  </p:timing>
-</p:sld>
-</file>
-
-<file path=ppt/slides/slide42.xml><?xml version="1.0" encoding="utf-8"?>
-<p:sld xmlns:a="http://schemas.openxmlformats.org/drawingml/2006/main" xmlns:r="http://schemas.openxmlformats.org/officeDocument/2006/relationships" xmlns:p="http://schemas.openxmlformats.org/presentationml/2006/main">
-  <p:cSld>
-    <p:spTree>
-      <p:nvGrpSpPr>
-        <p:cNvPr id="1" name=""/>
-        <p:cNvGrpSpPr/>
-        <p:nvPr/>
-      </p:nvGrpSpPr>
-      <p:grpSpPr>
-        <a:xfrm>
-          <a:off x="0" y="0"/>
-          <a:ext cx="0" cy="0"/>
-          <a:chOff x="0" y="0"/>
-          <a:chExt cx="0" cy="0"/>
-        </a:xfrm>
-      </p:grpSpPr>
-      <p:sp>
-        <p:nvSpPr>
-          <p:cNvPr id="57346" name="Rectangle 2"/>
-          <p:cNvSpPr>
-            <a:spLocks noGrp="1" noChangeArrowheads="1"/>
-          </p:cNvSpPr>
-          <p:nvPr>
-            <p:ph type="title"/>
-          </p:nvPr>
-        </p:nvSpPr>
-        <p:spPr/>
-        <p:txBody>
-          <a:bodyPr/>
-          <a:lstStyle/>
-          <a:p>
-            <a:pPr eaLnBrk="1" hangingPunct="1"/>
-            <a:r>
-              <a:rPr lang="en-US" sz="3600" dirty="0" smtClean="0"/>
-              <a:t>Stable Marriage</a:t>
-            </a:r>
-          </a:p>
-        </p:txBody>
-      </p:sp>
-      <p:sp>
-        <p:nvSpPr>
-          <p:cNvPr id="429059" name="Text Box 3"/>
-          <p:cNvSpPr txBox="1">
-            <a:spLocks noChangeArrowheads="1"/>
-          </p:cNvSpPr>
-          <p:nvPr/>
-        </p:nvSpPr>
-        <p:spPr bwMode="auto">
-          <a:xfrm>
-            <a:off x="580900" y="1933108"/>
-            <a:ext cx="7935140" cy="1920526"/>
-          </a:xfrm>
-          <a:prstGeom prst="rect">
-            <a:avLst/>
-          </a:prstGeom>
-          <a:noFill/>
-          <a:ln w="9525">
-            <a:noFill/>
-            <a:miter lim="800000"/>
-            <a:headEnd/>
-            <a:tailEnd type="none" w="lg" len="lg"/>
-          </a:ln>
-        </p:spPr>
-        <p:txBody>
-          <a:bodyPr wrap="square">
-            <a:spAutoFit/>
-          </a:bodyPr>
-          <a:lstStyle/>
-          <a:p>
-            <a:r>
-              <a:rPr lang="en-US" sz="5400" dirty="0">
-                <a:latin typeface="Comic Sans MS" pitchFamily="66" charset="0"/>
-              </a:rPr>
-              <a:t>o</a:t>
-            </a:r>
-            <a:r>
-              <a:rPr lang="en-US" sz="5400" dirty="0" smtClean="0">
-                <a:latin typeface="Comic Sans MS" pitchFamily="66" charset="0"/>
-              </a:rPr>
-              <a:t>ther </a:t>
-            </a:r>
-            <a:r>
-              <a:rPr lang="en-US" sz="5400" dirty="0">
-                <a:latin typeface="Comic Sans MS" pitchFamily="66" charset="0"/>
-              </a:rPr>
-              <a:t>stable </a:t>
-            </a:r>
-            <a:r>
-              <a:rPr lang="en-US" sz="5400" dirty="0" smtClean="0">
-                <a:latin typeface="Comic Sans MS" pitchFamily="66" charset="0"/>
-              </a:rPr>
-              <a:t>marriages </a:t>
-            </a:r>
-          </a:p>
-          <a:p>
-            <a:pPr>
-              <a:buNone/>
-            </a:pPr>
-            <a:r>
-              <a:rPr lang="en-US" sz="5400" dirty="0" smtClean="0">
-                <a:latin typeface="Comic Sans MS" pitchFamily="66" charset="0"/>
-              </a:rPr>
-              <a:t>  possible?</a:t>
-            </a:r>
-            <a:endParaRPr lang="en-US" sz="5400" dirty="0">
-              <a:latin typeface="Comic Sans MS" pitchFamily="66" charset="0"/>
-            </a:endParaRPr>
-          </a:p>
-        </p:txBody>
-      </p:sp>
-      <p:sp>
-        <p:nvSpPr>
-          <p:cNvPr id="57348" name="Text Box 4"/>
-          <p:cNvSpPr txBox="1">
-            <a:spLocks noChangeArrowheads="1"/>
-          </p:cNvSpPr>
-          <p:nvPr/>
-        </p:nvSpPr>
-        <p:spPr bwMode="auto">
-          <a:xfrm>
-            <a:off x="743451" y="1065213"/>
-            <a:ext cx="7662419" cy="785621"/>
-          </a:xfrm>
-          <a:prstGeom prst="rect">
-            <a:avLst/>
-          </a:prstGeom>
-          <a:noFill/>
-          <a:ln w="9525">
-            <a:noFill/>
-            <a:miter lim="800000"/>
-            <a:headEnd/>
-            <a:tailEnd type="none" w="lg" len="lg"/>
-          </a:ln>
-        </p:spPr>
-        <p:txBody>
-          <a:bodyPr wrap="square">
-            <a:spAutoFit/>
-          </a:bodyPr>
-          <a:lstStyle/>
-          <a:p>
-            <a:pPr>
-              <a:buNone/>
-            </a:pPr>
-            <a:r>
-              <a:rPr lang="en-US" sz="4400" dirty="0">
-                <a:latin typeface="Comic Sans MS" pitchFamily="66" charset="0"/>
-              </a:rPr>
-              <a:t>More questions, rich </a:t>
-            </a:r>
-            <a:r>
-              <a:rPr lang="en-US" sz="4400" dirty="0" smtClean="0">
-                <a:latin typeface="Comic Sans MS" pitchFamily="66" charset="0"/>
-              </a:rPr>
-              <a:t>theory</a:t>
-            </a:r>
-            <a:endParaRPr lang="en-US" sz="4400" dirty="0">
-              <a:latin typeface="Comic Sans MS" pitchFamily="66" charset="0"/>
-            </a:endParaRPr>
-          </a:p>
-        </p:txBody>
-      </p:sp>
-      <p:sp>
-        <p:nvSpPr>
-          <p:cNvPr id="429061" name="Text Box 5"/>
-          <p:cNvSpPr txBox="1">
-            <a:spLocks noChangeArrowheads="1"/>
-          </p:cNvSpPr>
-          <p:nvPr/>
-        </p:nvSpPr>
-        <p:spPr bwMode="auto">
-          <a:xfrm>
-            <a:off x="578791" y="3855752"/>
-            <a:ext cx="7725192" cy="1920526"/>
-          </a:xfrm>
-          <a:prstGeom prst="rect">
-            <a:avLst/>
-          </a:prstGeom>
-          <a:noFill/>
-          <a:ln w="9525">
-            <a:noFill/>
-            <a:miter lim="800000"/>
-            <a:headEnd/>
-            <a:tailEnd type="none" w="lg" len="lg"/>
-          </a:ln>
-        </p:spPr>
-        <p:txBody>
-          <a:bodyPr wrap="none">
-            <a:spAutoFit/>
-          </a:bodyPr>
-          <a:lstStyle/>
-          <a:p>
-            <a:r>
-              <a:rPr lang="en-US" sz="5400" dirty="0" smtClean="0">
-                <a:latin typeface="Comic Sans MS" pitchFamily="66" charset="0"/>
-              </a:rPr>
-              <a:t>do </a:t>
-            </a:r>
-            <a:r>
-              <a:rPr lang="en-US" sz="5400" dirty="0">
-                <a:latin typeface="Comic Sans MS" pitchFamily="66" charset="0"/>
-              </a:rPr>
-              <a:t>better by lying? </a:t>
-            </a:r>
-            <a:endParaRPr lang="en-US" sz="5400" dirty="0" smtClean="0">
-              <a:latin typeface="Comic Sans MS" pitchFamily="66" charset="0"/>
-            </a:endParaRPr>
-          </a:p>
-          <a:p>
-            <a:pPr>
-              <a:buNone/>
-            </a:pPr>
-            <a:r>
-              <a:rPr lang="en-US" sz="5400" dirty="0" smtClean="0"/>
-              <a:t>  boys</a:t>
-            </a:r>
-            <a:r>
-              <a:rPr lang="en-US" sz="5400" dirty="0" smtClean="0">
-                <a:solidFill>
-                  <a:srgbClr val="008000"/>
-                </a:solidFill>
-                <a:latin typeface="Comic Sans MS" pitchFamily="66" charset="0"/>
-              </a:rPr>
-              <a:t> -No!    </a:t>
-            </a:r>
-            <a:r>
-              <a:rPr lang="en-US" sz="5400" dirty="0" smtClean="0">
-                <a:latin typeface="Comic Sans MS" pitchFamily="66" charset="0"/>
-              </a:rPr>
-              <a:t>girls -</a:t>
-            </a:r>
-            <a:r>
-              <a:rPr lang="en-US" sz="5400" dirty="0" smtClean="0">
-                <a:solidFill>
-                  <a:schemeClr val="hlink"/>
-                </a:solidFill>
-                <a:latin typeface="Comic Sans MS" pitchFamily="66" charset="0"/>
-              </a:rPr>
-              <a:t>Yes</a:t>
-            </a:r>
-            <a:r>
-              <a:rPr lang="en-US" sz="5400" dirty="0">
-                <a:solidFill>
-                  <a:schemeClr val="hlink"/>
-                </a:solidFill>
-                <a:latin typeface="Comic Sans MS" pitchFamily="66" charset="0"/>
-              </a:rPr>
-              <a:t>!</a:t>
-            </a:r>
-          </a:p>
-        </p:txBody>
-      </p:sp>
-      <p:sp>
-        <p:nvSpPr>
-          <p:cNvPr id="57350" name="Slide Number Placeholder 1"/>
-          <p:cNvSpPr>
-            <a:spLocks noGrp="1"/>
-          </p:cNvSpPr>
-          <p:nvPr>
-            <p:ph type="sldNum" sz="quarter" idx="10"/>
-          </p:nvPr>
-        </p:nvSpPr>
-        <p:spPr>
-          <a:noFill/>
-        </p:spPr>
-        <p:txBody>
-          <a:bodyPr/>
-          <a:lstStyle/>
-          <a:p>
-            <a:r>
-              <a:rPr lang="en-US" dirty="0" err="1" smtClean="0"/>
-              <a:t>lec</a:t>
-            </a:r>
-            <a:r>
-              <a:rPr lang="en-US" dirty="0" smtClean="0"/>
-              <a:t> 7F.</a:t>
-            </a:r>
-            <a:fld id="{7BB76824-9F76-4ADE-AC6C-0508E1575FA2}" type="slidenum">
-              <a:rPr lang="en-US" smtClean="0"/>
-              <a:pPr/>
-              <a:t>42</a:t>
-            </a:fld>
-            <a:endParaRPr lang="en-US" dirty="0" smtClean="0"/>
-          </a:p>
-        </p:txBody>
-      </p:sp>
-      <p:sp>
-        <p:nvSpPr>
-          <p:cNvPr id="7" name="TextBox 6"/>
-          <p:cNvSpPr txBox="1"/>
-          <p:nvPr/>
-        </p:nvSpPr>
-        <p:spPr>
-          <a:xfrm>
-            <a:off x="4076676" y="2891948"/>
-            <a:ext cx="4660124" cy="923330"/>
-          </a:xfrm>
-          <a:prstGeom prst="rect">
-            <a:avLst/>
-          </a:prstGeom>
-          <a:noFill/>
-        </p:spPr>
-        <p:txBody>
-          <a:bodyPr wrap="square" rtlCol="0">
-            <a:spAutoFit/>
-          </a:bodyPr>
-          <a:lstStyle/>
-          <a:p>
-            <a:pPr lvl="0">
-              <a:buNone/>
-            </a:pPr>
-            <a:r>
-              <a:rPr lang="en-US" sz="5400" dirty="0" smtClean="0">
-                <a:latin typeface="Comic Sans MS" pitchFamily="66" charset="0"/>
-              </a:rPr>
-              <a:t>-can be </a:t>
-            </a:r>
-            <a:r>
-              <a:rPr lang="en-US" sz="5400" dirty="0" smtClean="0">
-                <a:solidFill>
-                  <a:srgbClr val="C00000"/>
-                </a:solidFill>
-                <a:latin typeface="Comic Sans MS" pitchFamily="66" charset="0"/>
-              </a:rPr>
-              <a:t>many</a:t>
-            </a:r>
-            <a:endParaRPr lang="en-US" dirty="0">
-              <a:solidFill>
-                <a:srgbClr val="C00000"/>
-              </a:solidFill>
-            </a:endParaRPr>
-          </a:p>
-        </p:txBody>
-      </p:sp>
-    </p:spTree>
-    <p:extLst>
-      <p:ext uri="{BB962C8B-B14F-4D97-AF65-F5344CB8AC3E}">
-        <p14:creationId xmlns:p14="http://schemas.microsoft.com/office/powerpoint/2010/main" val="2366212642"/>
-      </p:ext>
-    </p:extLst>
-  </p:cSld>
-  <p:clrMapOvr>
-    <a:masterClrMapping/>
-  </p:clrMapOvr>
-  <p:transition xmlns:p14="http://schemas.microsoft.com/office/powerpoint/2010/main" spd="slow">
-    <p:fade thruBlk="1"/>
-  </p:transition>
-  <p:timing>
-    <p:tnLst>
-      <p:par>
-        <p:cTn xmlns:p14="http://schemas.microsoft.com/office/powerpoint/2010/main" id="1" dur="indefinite" restart="never" nodeType="tmRoot">
-          <p:childTnLst>
-            <p:seq concurrent="1" nextAc="seek">
-              <p:cTn id="2" dur="indefinite" nodeType="mainSeq">
-                <p:childTnLst>
-                  <p:par>
-                    <p:cTn id="3" fill="hold">
-                      <p:stCondLst>
-                        <p:cond delay="indefinite"/>
-                      </p:stCondLst>
-                      <p:childTnLst>
-                        <p:par>
-                          <p:cTn id="4" fill="hold">
-                            <p:stCondLst>
-                              <p:cond delay="0"/>
-                            </p:stCondLst>
-                            <p:childTnLst>
-                              <p:par>
-                                <p:cTn id="5" presetID="1" presetClass="entr" presetSubtype="0" fill="hold" grpId="0" nodeType="clickEffect">
-                                  <p:stCondLst>
-                                    <p:cond delay="0"/>
-                                  </p:stCondLst>
-                                  <p:childTnLst>
-                                    <p:set>
-                                      <p:cBhvr>
-                                        <p:cTn id="6" dur="1" fill="hold">
-                                          <p:stCondLst>
-                                            <p:cond delay="0"/>
-                                          </p:stCondLst>
-                                        </p:cTn>
-                                        <p:tgtEl>
-                                          <p:spTgt spid="429059"/>
-                                        </p:tgtEl>
-                                        <p:attrNameLst>
-                                          <p:attrName>style.visibility</p:attrName>
-                                        </p:attrNameLst>
-                                      </p:cBhvr>
-                                      <p:to>
-                                        <p:strVal val="visible"/>
-                                      </p:to>
-                                    </p:set>
-                                  </p:childTnLst>
-                                </p:cTn>
-                              </p:par>
-                            </p:childTnLst>
-                          </p:cTn>
-                        </p:par>
-                      </p:childTnLst>
-                    </p:cTn>
-                  </p:par>
-                  <p:par>
-                    <p:cTn id="7" fill="hold">
-                      <p:stCondLst>
-                        <p:cond delay="indefinite"/>
-                      </p:stCondLst>
-                      <p:childTnLst>
-                        <p:par>
-                          <p:cTn id="8" fill="hold">
-                            <p:stCondLst>
-                              <p:cond delay="0"/>
-                            </p:stCondLst>
-                            <p:childTnLst>
-                              <p:par>
-                                <p:cTn id="9" presetID="1" presetClass="entr" presetSubtype="0" fill="hold" grpId="0" nodeType="clickEffect">
-                                  <p:stCondLst>
-                                    <p:cond delay="0"/>
-                                  </p:stCondLst>
-                                  <p:childTnLst>
-                                    <p:set>
-                                      <p:cBhvr>
-                                        <p:cTn id="10" dur="1" fill="hold">
-                                          <p:stCondLst>
-                                            <p:cond delay="0"/>
-                                          </p:stCondLst>
-                                        </p:cTn>
-                                        <p:tgtEl>
-                                          <p:spTgt spid="7"/>
-                                        </p:tgtEl>
-                                        <p:attrNameLst>
-                                          <p:attrName>style.visibility</p:attrName>
-                                        </p:attrNameLst>
-                                      </p:cBhvr>
-                                      <p:to>
-                                        <p:strVal val="visible"/>
-                                      </p:to>
-                                    </p:set>
-                                  </p:childTnLst>
-                                </p:cTn>
-                              </p:par>
-                            </p:childTnLst>
-                          </p:cTn>
-                        </p:par>
-                      </p:childTnLst>
-                    </p:cTn>
-                  </p:par>
-                  <p:par>
-                    <p:cTn id="11" fill="hold">
-                      <p:stCondLst>
-                        <p:cond delay="indefinite"/>
-                      </p:stCondLst>
-                      <p:childTnLst>
-                        <p:par>
-                          <p:cTn id="12" fill="hold">
-                            <p:stCondLst>
-                              <p:cond delay="0"/>
-                            </p:stCondLst>
-                            <p:childTnLst>
-                              <p:par>
-                                <p:cTn id="13" presetID="1" presetClass="entr" presetSubtype="0" fill="hold" nodeType="clickEffect">
-                                  <p:stCondLst>
-                                    <p:cond delay="0"/>
-                                  </p:stCondLst>
-                                  <p:childTnLst>
-                                    <p:set>
-                                      <p:cBhvr>
-                                        <p:cTn id="14" dur="1" fill="hold">
-                                          <p:stCondLst>
-                                            <p:cond delay="0"/>
-                                          </p:stCondLst>
-                                        </p:cTn>
-                                        <p:tgtEl>
-                                          <p:spTgt spid="429061">
-                                            <p:txEl>
-                                              <p:pRg st="0" end="0"/>
-                                            </p:txEl>
-                                          </p:spTgt>
-                                        </p:tgtEl>
-                                        <p:attrNameLst>
-                                          <p:attrName>style.visibility</p:attrName>
-                                        </p:attrNameLst>
-                                      </p:cBhvr>
-                                      <p:to>
-                                        <p:strVal val="visible"/>
-                                      </p:to>
-                                    </p:set>
-                                  </p:childTnLst>
-                                </p:cTn>
-                              </p:par>
-                            </p:childTnLst>
-                          </p:cTn>
-                        </p:par>
-                      </p:childTnLst>
-                    </p:cTn>
-                  </p:par>
-                  <p:par>
-                    <p:cTn id="15" fill="hold">
-                      <p:stCondLst>
-                        <p:cond delay="indefinite"/>
-                      </p:stCondLst>
-                      <p:childTnLst>
-                        <p:par>
-                          <p:cTn id="16" fill="hold">
-                            <p:stCondLst>
-                              <p:cond delay="0"/>
-                            </p:stCondLst>
-                            <p:childTnLst>
-                              <p:par>
-                                <p:cTn id="17" presetID="1" presetClass="entr" presetSubtype="0" fill="hold" nodeType="clickEffect">
-                                  <p:stCondLst>
-                                    <p:cond delay="0"/>
-                                  </p:stCondLst>
-                                  <p:childTnLst>
-                                    <p:set>
-                                      <p:cBhvr>
-                                        <p:cTn id="18" dur="1" fill="hold">
-                                          <p:stCondLst>
-                                            <p:cond delay="0"/>
-                                          </p:stCondLst>
-                                        </p:cTn>
-                                        <p:tgtEl>
-                                          <p:spTgt spid="429061">
-                                            <p:txEl>
-                                              <p:pRg st="1" end="1"/>
-                                            </p:txEl>
-                                          </p:spTgt>
-                                        </p:tgtEl>
-                                        <p:attrNameLst>
-                                          <p:attrName>style.visibility</p:attrName>
-                                        </p:attrNameLst>
-                                      </p:cBhvr>
-                                      <p:to>
-                                        <p:strVal val="visible"/>
-                                      </p:to>
-                                    </p:set>
-                                  </p:childTnLst>
-                                </p:cTn>
-                              </p:par>
-                            </p:childTnLst>
-                          </p:cTn>
-                        </p:par>
-                      </p:childTnLst>
-                    </p:cTn>
-                  </p:par>
-                </p:childTnLst>
-              </p:cTn>
-              <p:prevCondLst>
-                <p:cond evt="onPrev" delay="0">
-                  <p:tgtEl>
-                    <p:sldTgt/>
-                  </p:tgtEl>
-                </p:cond>
-              </p:prevCondLst>
-              <p:nextCondLst>
-                <p:cond evt="onNext" delay="0">
-                  <p:tgtEl>
-                    <p:sldTgt/>
-                  </p:tgtEl>
-                </p:cond>
-              </p:nextCondLst>
-            </p:seq>
-          </p:childTnLst>
-        </p:cTn>
-      </p:par>
-    </p:tnLst>
-    <p:bldLst>
-      <p:bldP spid="429059" grpId="0"/>
-      <p:bldP spid="7" grpId="0"/>
-    </p:bldLst>
   </p:timing>
 </p:sld>
 </file>
